--- a/Week 4/4 - Model Fitting.pptx
+++ b/Week 4/4 - Model Fitting.pptx
@@ -5,7 +5,7 @@
     <p:sldMasterId id="2147483648" r:id="rId1"/>
   </p:sldMasterIdLst>
   <p:notesMasterIdLst>
-    <p:notesMasterId r:id="rId16"/>
+    <p:notesMasterId r:id="rId19"/>
   </p:notesMasterIdLst>
   <p:sldIdLst>
     <p:sldId id="256" r:id="rId2"/>
@@ -13,30 +13,33 @@
     <p:sldId id="257" r:id="rId4"/>
     <p:sldId id="312" r:id="rId5"/>
     <p:sldId id="259" r:id="rId6"/>
-    <p:sldId id="260" r:id="rId7"/>
-    <p:sldId id="261" r:id="rId8"/>
-    <p:sldId id="262" r:id="rId9"/>
-    <p:sldId id="263" r:id="rId10"/>
-    <p:sldId id="264" r:id="rId11"/>
-    <p:sldId id="265" r:id="rId12"/>
-    <p:sldId id="282" r:id="rId13"/>
-    <p:sldId id="283" r:id="rId14"/>
-    <p:sldId id="269" r:id="rId15"/>
+    <p:sldId id="316" r:id="rId7"/>
+    <p:sldId id="314" r:id="rId8"/>
+    <p:sldId id="315" r:id="rId9"/>
+    <p:sldId id="261" r:id="rId10"/>
+    <p:sldId id="313" r:id="rId11"/>
+    <p:sldId id="262" r:id="rId12"/>
+    <p:sldId id="263" r:id="rId13"/>
+    <p:sldId id="264" r:id="rId14"/>
+    <p:sldId id="265" r:id="rId15"/>
+    <p:sldId id="282" r:id="rId16"/>
+    <p:sldId id="283" r:id="rId17"/>
+    <p:sldId id="269" r:id="rId18"/>
   </p:sldIdLst>
   <p:sldSz cx="12192000" cy="6858000"/>
   <p:notesSz cx="6858000" cy="9144000"/>
   <p:embeddedFontLst>
     <p:embeddedFont>
       <p:font typeface="Economica" panose="02000506040000020004" pitchFamily="2" charset="77"/>
-      <p:regular r:id="rId17"/>
-      <p:bold r:id="rId18"/>
-      <p:italic r:id="rId19"/>
-      <p:boldItalic r:id="rId20"/>
+      <p:regular r:id="rId20"/>
+      <p:bold r:id="rId21"/>
+      <p:italic r:id="rId22"/>
+      <p:boldItalic r:id="rId23"/>
     </p:embeddedFont>
     <p:embeddedFont>
       <p:font typeface="Quicksand" pitchFamily="2" charset="77"/>
-      <p:regular r:id="rId21"/>
-      <p:bold r:id="rId22"/>
+      <p:regular r:id="rId24"/>
+      <p:bold r:id="rId25"/>
     </p:embeddedFont>
   </p:embeddedFontLst>
   <p:defaultTextStyle>
@@ -273,7 +276,7 @@
       <p15:sldGuideLst xmlns:p15="http://schemas.microsoft.com/office/powerpoint/2012/main"/>
     </p:ext>
     <p:ext uri="http://customooxmlschemas.google.com/">
-      <go:slidesCustomData xmlns="" xmlns:mc="http://schemas.openxmlformats.org/markup-compatibility/2006" xmlns:mv="urn:schemas-microsoft-com:mac:vml" xmlns:c="http://schemas.openxmlformats.org/drawingml/2006/chart" xmlns:dgm="http://schemas.openxmlformats.org/drawingml/2006/diagram" xmlns:o="urn:schemas-microsoft-com:office:office" xmlns:v="urn:schemas-microsoft-com:vml" xmlns:pvml="urn:schemas-microsoft-com:office:powerpoint" xmlns:com="http://schemas.openxmlformats.org/drawingml/2006/compatibility" xmlns:p14="http://schemas.microsoft.com/office/powerpoint/2010/main" xmlns:p15="http://schemas.microsoft.com/office/powerpoint/2012/main" xmlns:ahyp="http://schemas.microsoft.com/office/drawing/2018/hyperlinkcolor" xmlns:go="http://customooxmlschemas.google.com/" r:id="rId36" roundtripDataSignature="AMtx7mijyj9g5Q2gUYSpHilbXARuoz9V0A=="/>
+      <go:slidesCustomData xmlns:go="http://customooxmlschemas.google.com/" xmlns:ahyp="http://schemas.microsoft.com/office/drawing/2018/hyperlinkcolor" xmlns:p15="http://schemas.microsoft.com/office/powerpoint/2012/main" xmlns:p14="http://schemas.microsoft.com/office/powerpoint/2010/main" xmlns:com="http://schemas.openxmlformats.org/drawingml/2006/compatibility" xmlns:pvml="urn:schemas-microsoft-com:office:powerpoint" xmlns:v="urn:schemas-microsoft-com:vml" xmlns:o="urn:schemas-microsoft-com:office:office" xmlns:dgm="http://schemas.openxmlformats.org/drawingml/2006/diagram" xmlns:c="http://schemas.openxmlformats.org/drawingml/2006/chart" xmlns:mv="urn:schemas-microsoft-com:mac:vml" xmlns:mc="http://schemas.openxmlformats.org/markup-compatibility/2006" xmlns="" r:id="rId36" roundtripDataSignature="AMtx7mijyj9g5Q2gUYSpHilbXARuoz9V0A=="/>
     </p:ext>
   </p:extLst>
 </p:presentation>
@@ -1581,6 +1584,341 @@
   <p:cSld>
     <p:spTree>
       <p:nvGrpSpPr>
+        <p:cNvPr id="1" name="Shape 127">
+          <a:extLst>
+            <a:ext uri="{FF2B5EF4-FFF2-40B4-BE49-F238E27FC236}">
+              <a16:creationId xmlns:a16="http://schemas.microsoft.com/office/drawing/2014/main" id="{5E9AB5C2-14BF-A9FF-6BA9-5D96472E94BC}"/>
+            </a:ext>
+          </a:extLst>
+        </p:cNvPr>
+        <p:cNvGrpSpPr/>
+        <p:nvPr/>
+      </p:nvGrpSpPr>
+      <p:grpSpPr>
+        <a:xfrm>
+          <a:off x="0" y="0"/>
+          <a:ext cx="0" cy="0"/>
+          <a:chOff x="0" y="0"/>
+          <a:chExt cx="0" cy="0"/>
+        </a:xfrm>
+      </p:grpSpPr>
+      <p:sp>
+        <p:nvSpPr>
+          <p:cNvPr id="128" name="Google Shape;128;p6:notes">
+            <a:extLst>
+              <a:ext uri="{FF2B5EF4-FFF2-40B4-BE49-F238E27FC236}">
+                <a16:creationId xmlns:a16="http://schemas.microsoft.com/office/drawing/2014/main" id="{454311D2-1E4B-CB58-4ACD-D1493A50D65E}"/>
+              </a:ext>
+            </a:extLst>
+          </p:cNvPr>
+          <p:cNvSpPr txBox="1">
+            <a:spLocks noGrp="1"/>
+          </p:cNvSpPr>
+          <p:nvPr>
+            <p:ph type="body" idx="1"/>
+          </p:nvPr>
+        </p:nvSpPr>
+        <p:spPr>
+          <a:xfrm>
+            <a:off x="685800" y="4400550"/>
+            <a:ext cx="5486400" cy="3600450"/>
+          </a:xfrm>
+          <a:prstGeom prst="rect">
+            <a:avLst/>
+          </a:prstGeom>
+        </p:spPr>
+        <p:txBody>
+          <a:bodyPr spcFirstLastPara="1" wrap="square" lIns="91425" tIns="45700" rIns="91425" bIns="45700" anchor="t" anchorCtr="0">
+            <a:noAutofit/>
+          </a:bodyPr>
+          <a:lstStyle/>
+          <a:p>
+            <a:pPr marL="0" lvl="0" indent="0" algn="l" rtl="0">
+              <a:spcBef>
+                <a:spcPts val="0"/>
+              </a:spcBef>
+              <a:spcAft>
+                <a:spcPts val="0"/>
+              </a:spcAft>
+              <a:buNone/>
+            </a:pPr>
+            <a:endParaRPr/>
+          </a:p>
+        </p:txBody>
+      </p:sp>
+      <p:sp>
+        <p:nvSpPr>
+          <p:cNvPr id="129" name="Google Shape;129;p6:notes">
+            <a:extLst>
+              <a:ext uri="{FF2B5EF4-FFF2-40B4-BE49-F238E27FC236}">
+                <a16:creationId xmlns:a16="http://schemas.microsoft.com/office/drawing/2014/main" id="{13E95ACB-DA6E-2908-FB48-4CE466FBC748}"/>
+              </a:ext>
+            </a:extLst>
+          </p:cNvPr>
+          <p:cNvSpPr>
+            <a:spLocks noGrp="1" noRot="1" noChangeAspect="1"/>
+          </p:cNvSpPr>
+          <p:nvPr>
+            <p:ph type="sldImg" idx="2"/>
+          </p:nvPr>
+        </p:nvSpPr>
+        <p:spPr>
+          <a:xfrm>
+            <a:off x="685800" y="1143000"/>
+            <a:ext cx="5486400" cy="3086100"/>
+          </a:xfrm>
+          <a:custGeom>
+            <a:avLst/>
+            <a:gdLst/>
+            <a:ahLst/>
+            <a:cxnLst/>
+            <a:rect l="l" t="t" r="r" b="b"/>
+            <a:pathLst>
+              <a:path w="120000" h="120000" extrusionOk="0">
+                <a:moveTo>
+                  <a:pt x="0" y="0"/>
+                </a:moveTo>
+                <a:lnTo>
+                  <a:pt x="120000" y="0"/>
+                </a:lnTo>
+                <a:lnTo>
+                  <a:pt x="120000" y="120000"/>
+                </a:lnTo>
+                <a:lnTo>
+                  <a:pt x="0" y="120000"/>
+                </a:lnTo>
+                <a:close/>
+              </a:path>
+            </a:pathLst>
+          </a:custGeom>
+        </p:spPr>
+      </p:sp>
+    </p:spTree>
+    <p:extLst>
+      <p:ext uri="{BB962C8B-B14F-4D97-AF65-F5344CB8AC3E}">
+        <p14:creationId xmlns:p14="http://schemas.microsoft.com/office/powerpoint/2010/main" val="2173981037"/>
+      </p:ext>
+    </p:extLst>
+  </p:cSld>
+  <p:clrMapOvr>
+    <a:masterClrMapping/>
+  </p:clrMapOvr>
+</p:notes>
+</file>
+
+<file path=ppt/notesSlides/notesSlide11.xml><?xml version="1.0" encoding="utf-8"?>
+<p:notes xmlns:a="http://schemas.openxmlformats.org/drawingml/2006/main" xmlns:r="http://schemas.openxmlformats.org/officeDocument/2006/relationships" xmlns:p="http://schemas.openxmlformats.org/presentationml/2006/main" showMasterSp="0" showMasterPhAnim="0">
+  <p:cSld>
+    <p:spTree>
+      <p:nvGrpSpPr>
+        <p:cNvPr id="1" name="Shape 134"/>
+        <p:cNvGrpSpPr/>
+        <p:nvPr/>
+      </p:nvGrpSpPr>
+      <p:grpSpPr>
+        <a:xfrm>
+          <a:off x="0" y="0"/>
+          <a:ext cx="0" cy="0"/>
+          <a:chOff x="0" y="0"/>
+          <a:chExt cx="0" cy="0"/>
+        </a:xfrm>
+      </p:grpSpPr>
+      <p:sp>
+        <p:nvSpPr>
+          <p:cNvPr id="135" name="Google Shape;135;p7:notes"/>
+          <p:cNvSpPr txBox="1">
+            <a:spLocks noGrp="1"/>
+          </p:cNvSpPr>
+          <p:nvPr>
+            <p:ph type="body" idx="1"/>
+          </p:nvPr>
+        </p:nvSpPr>
+        <p:spPr>
+          <a:xfrm>
+            <a:off x="685800" y="4400550"/>
+            <a:ext cx="5486400" cy="3600450"/>
+          </a:xfrm>
+          <a:prstGeom prst="rect">
+            <a:avLst/>
+          </a:prstGeom>
+        </p:spPr>
+        <p:txBody>
+          <a:bodyPr spcFirstLastPara="1" wrap="square" lIns="91425" tIns="45700" rIns="91425" bIns="45700" anchor="t" anchorCtr="0">
+            <a:noAutofit/>
+          </a:bodyPr>
+          <a:lstStyle/>
+          <a:p>
+            <a:pPr marL="0" lvl="0" indent="0" algn="l" rtl="0">
+              <a:spcBef>
+                <a:spcPts val="0"/>
+              </a:spcBef>
+              <a:spcAft>
+                <a:spcPts val="0"/>
+              </a:spcAft>
+              <a:buNone/>
+            </a:pPr>
+            <a:endParaRPr/>
+          </a:p>
+        </p:txBody>
+      </p:sp>
+      <p:sp>
+        <p:nvSpPr>
+          <p:cNvPr id="136" name="Google Shape;136;p7:notes"/>
+          <p:cNvSpPr>
+            <a:spLocks noGrp="1" noRot="1" noChangeAspect="1"/>
+          </p:cNvSpPr>
+          <p:nvPr>
+            <p:ph type="sldImg" idx="2"/>
+          </p:nvPr>
+        </p:nvSpPr>
+        <p:spPr>
+          <a:xfrm>
+            <a:off x="685800" y="1143000"/>
+            <a:ext cx="5486400" cy="3086100"/>
+          </a:xfrm>
+          <a:custGeom>
+            <a:avLst/>
+            <a:gdLst/>
+            <a:ahLst/>
+            <a:cxnLst/>
+            <a:rect l="l" t="t" r="r" b="b"/>
+            <a:pathLst>
+              <a:path w="120000" h="120000" extrusionOk="0">
+                <a:moveTo>
+                  <a:pt x="0" y="0"/>
+                </a:moveTo>
+                <a:lnTo>
+                  <a:pt x="120000" y="0"/>
+                </a:lnTo>
+                <a:lnTo>
+                  <a:pt x="120000" y="120000"/>
+                </a:lnTo>
+                <a:lnTo>
+                  <a:pt x="0" y="120000"/>
+                </a:lnTo>
+                <a:close/>
+              </a:path>
+            </a:pathLst>
+          </a:custGeom>
+        </p:spPr>
+      </p:sp>
+    </p:spTree>
+  </p:cSld>
+  <p:clrMapOvr>
+    <a:masterClrMapping/>
+  </p:clrMapOvr>
+</p:notes>
+</file>
+
+<file path=ppt/notesSlides/notesSlide12.xml><?xml version="1.0" encoding="utf-8"?>
+<p:notes xmlns:a="http://schemas.openxmlformats.org/drawingml/2006/main" xmlns:r="http://schemas.openxmlformats.org/officeDocument/2006/relationships" xmlns:p="http://schemas.openxmlformats.org/presentationml/2006/main" showMasterSp="0" showMasterPhAnim="0">
+  <p:cSld>
+    <p:spTree>
+      <p:nvGrpSpPr>
+        <p:cNvPr id="1" name="Shape 141"/>
+        <p:cNvGrpSpPr/>
+        <p:nvPr/>
+      </p:nvGrpSpPr>
+      <p:grpSpPr>
+        <a:xfrm>
+          <a:off x="0" y="0"/>
+          <a:ext cx="0" cy="0"/>
+          <a:chOff x="0" y="0"/>
+          <a:chExt cx="0" cy="0"/>
+        </a:xfrm>
+      </p:grpSpPr>
+      <p:sp>
+        <p:nvSpPr>
+          <p:cNvPr id="142" name="Google Shape;142;p8:notes"/>
+          <p:cNvSpPr txBox="1">
+            <a:spLocks noGrp="1"/>
+          </p:cNvSpPr>
+          <p:nvPr>
+            <p:ph type="body" idx="1"/>
+          </p:nvPr>
+        </p:nvSpPr>
+        <p:spPr>
+          <a:xfrm>
+            <a:off x="685800" y="4400550"/>
+            <a:ext cx="5486400" cy="3600450"/>
+          </a:xfrm>
+          <a:prstGeom prst="rect">
+            <a:avLst/>
+          </a:prstGeom>
+        </p:spPr>
+        <p:txBody>
+          <a:bodyPr spcFirstLastPara="1" wrap="square" lIns="91425" tIns="45700" rIns="91425" bIns="45700" anchor="t" anchorCtr="0">
+            <a:noAutofit/>
+          </a:bodyPr>
+          <a:lstStyle/>
+          <a:p>
+            <a:pPr marL="0" lvl="0" indent="0" algn="l" rtl="0">
+              <a:spcBef>
+                <a:spcPts val="0"/>
+              </a:spcBef>
+              <a:spcAft>
+                <a:spcPts val="0"/>
+              </a:spcAft>
+              <a:buNone/>
+            </a:pPr>
+            <a:endParaRPr/>
+          </a:p>
+        </p:txBody>
+      </p:sp>
+      <p:sp>
+        <p:nvSpPr>
+          <p:cNvPr id="143" name="Google Shape;143;p8:notes"/>
+          <p:cNvSpPr>
+            <a:spLocks noGrp="1" noRot="1" noChangeAspect="1"/>
+          </p:cNvSpPr>
+          <p:nvPr>
+            <p:ph type="sldImg" idx="2"/>
+          </p:nvPr>
+        </p:nvSpPr>
+        <p:spPr>
+          <a:xfrm>
+            <a:off x="685800" y="1143000"/>
+            <a:ext cx="5486400" cy="3086100"/>
+          </a:xfrm>
+          <a:custGeom>
+            <a:avLst/>
+            <a:gdLst/>
+            <a:ahLst/>
+            <a:cxnLst/>
+            <a:rect l="l" t="t" r="r" b="b"/>
+            <a:pathLst>
+              <a:path w="120000" h="120000" extrusionOk="0">
+                <a:moveTo>
+                  <a:pt x="0" y="0"/>
+                </a:moveTo>
+                <a:lnTo>
+                  <a:pt x="120000" y="0"/>
+                </a:lnTo>
+                <a:lnTo>
+                  <a:pt x="120000" y="120000"/>
+                </a:lnTo>
+                <a:lnTo>
+                  <a:pt x="0" y="120000"/>
+                </a:lnTo>
+                <a:close/>
+              </a:path>
+            </a:pathLst>
+          </a:custGeom>
+        </p:spPr>
+      </p:sp>
+    </p:spTree>
+  </p:cSld>
+  <p:clrMapOvr>
+    <a:masterClrMapping/>
+  </p:clrMapOvr>
+</p:notes>
+</file>
+
+<file path=ppt/notesSlides/notesSlide13.xml><?xml version="1.0" encoding="utf-8"?>
+<p:notes xmlns:a="http://schemas.openxmlformats.org/drawingml/2006/main" xmlns:r="http://schemas.openxmlformats.org/officeDocument/2006/relationships" xmlns:p="http://schemas.openxmlformats.org/presentationml/2006/main" showMasterSp="0" showMasterPhAnim="0">
+  <p:cSld>
+    <p:spTree>
+      <p:nvGrpSpPr>
         <p:cNvPr id="1" name="Shape 148"/>
         <p:cNvGrpSpPr/>
         <p:nvPr/>
@@ -1680,7 +2018,7 @@
 </p:notes>
 </file>
 
-<file path=ppt/notesSlides/notesSlide11.xml><?xml version="1.0" encoding="utf-8"?>
+<file path=ppt/notesSlides/notesSlide14.xml><?xml version="1.0" encoding="utf-8"?>
 <p:notes xmlns:a="http://schemas.openxmlformats.org/drawingml/2006/main" xmlns:r="http://schemas.openxmlformats.org/officeDocument/2006/relationships" xmlns:p="http://schemas.openxmlformats.org/presentationml/2006/main" showMasterSp="0" showMasterPhAnim="0">
   <p:cSld>
     <p:spTree>
@@ -1784,7 +2122,7 @@
 </p:notes>
 </file>
 
-<file path=ppt/notesSlides/notesSlide12.xml><?xml version="1.0" encoding="utf-8"?>
+<file path=ppt/notesSlides/notesSlide15.xml><?xml version="1.0" encoding="utf-8"?>
 <p:notes xmlns:a="http://schemas.openxmlformats.org/drawingml/2006/main" xmlns:r="http://schemas.openxmlformats.org/officeDocument/2006/relationships" xmlns:p="http://schemas.openxmlformats.org/presentationml/2006/main" showMasterSp="0" showMasterPhAnim="0">
   <p:cSld>
     <p:spTree>
@@ -1962,7 +2300,7 @@
             </a:pPr>
             <a:fld id="{00000000-1234-1234-1234-123412341234}" type="slidenum">
               <a:rPr lang="en-US"/>
-              <a:t>13</a:t>
+              <a:t>16</a:t>
             </a:fld>
             <a:endParaRPr/>
           </a:p>
@@ -1981,7 +2319,7 @@
 </p:notes>
 </file>
 
-<file path=ppt/notesSlides/notesSlide13.xml><?xml version="1.0" encoding="utf-8"?>
+<file path=ppt/notesSlides/notesSlide16.xml><?xml version="1.0" encoding="utf-8"?>
 <p:notes xmlns:a="http://schemas.openxmlformats.org/drawingml/2006/main" xmlns:r="http://schemas.openxmlformats.org/officeDocument/2006/relationships" xmlns:p="http://schemas.openxmlformats.org/presentationml/2006/main" showMasterSp="0" showMasterPhAnim="0">
   <p:cSld>
     <p:spTree>
@@ -2135,7 +2473,7 @@
             </a:pPr>
             <a:fld id="{00000000-1234-1234-1234-123412341234}" type="slidenum">
               <a:rPr lang="en-US"/>
-              <a:t>14</a:t>
+              <a:t>17</a:t>
             </a:fld>
             <a:endParaRPr/>
           </a:p>
@@ -2593,7 +2931,13 @@
   <p:cSld>
     <p:spTree>
       <p:nvGrpSpPr>
-        <p:cNvPr id="1" name="Shape 120"/>
+        <p:cNvPr id="1" name="Shape 112">
+          <a:extLst>
+            <a:ext uri="{FF2B5EF4-FFF2-40B4-BE49-F238E27FC236}">
+              <a16:creationId xmlns:a16="http://schemas.microsoft.com/office/drawing/2014/main" id="{F84DB137-DC11-445A-2FE6-7F46E12A5A13}"/>
+            </a:ext>
+          </a:extLst>
+        </p:cNvPr>
         <p:cNvGrpSpPr/>
         <p:nvPr/>
       </p:nvGrpSpPr>
@@ -2607,7 +2951,13 @@
       </p:grpSpPr>
       <p:sp>
         <p:nvSpPr>
-          <p:cNvPr id="121" name="Google Shape;121;p5:notes"/>
+          <p:cNvPr id="113" name="Google Shape;113;p4:notes">
+            <a:extLst>
+              <a:ext uri="{FF2B5EF4-FFF2-40B4-BE49-F238E27FC236}">
+                <a16:creationId xmlns:a16="http://schemas.microsoft.com/office/drawing/2014/main" id="{D5746BA3-75FC-D96C-79C4-F5C3DF7BA594}"/>
+              </a:ext>
+            </a:extLst>
+          </p:cNvPr>
           <p:cNvSpPr txBox="1">
             <a:spLocks noGrp="1"/>
           </p:cNvSpPr>
@@ -2645,7 +2995,13 @@
       </p:sp>
       <p:sp>
         <p:nvSpPr>
-          <p:cNvPr id="122" name="Google Shape;122;p5:notes"/>
+          <p:cNvPr id="114" name="Google Shape;114;p4:notes">
+            <a:extLst>
+              <a:ext uri="{FF2B5EF4-FFF2-40B4-BE49-F238E27FC236}">
+                <a16:creationId xmlns:a16="http://schemas.microsoft.com/office/drawing/2014/main" id="{7D37A23A-3E80-721B-72FE-82B7F421DC37}"/>
+              </a:ext>
+            </a:extLst>
+          </p:cNvPr>
           <p:cNvSpPr>
             <a:spLocks noGrp="1" noRot="1" noChangeAspect="1"/>
           </p:cNvSpPr>
@@ -2685,6 +3041,11 @@
         </p:spPr>
       </p:sp>
     </p:spTree>
+    <p:extLst>
+      <p:ext uri="{BB962C8B-B14F-4D97-AF65-F5344CB8AC3E}">
+        <p14:creationId xmlns:p14="http://schemas.microsoft.com/office/powerpoint/2010/main" val="93826184"/>
+      </p:ext>
+    </p:extLst>
   </p:cSld>
   <p:clrMapOvr>
     <a:masterClrMapping/>
@@ -2693,6 +3054,260 @@
 </file>
 
 <file path=ppt/notesSlides/notesSlide7.xml><?xml version="1.0" encoding="utf-8"?>
+<p:notes xmlns:a="http://schemas.openxmlformats.org/drawingml/2006/main" xmlns:r="http://schemas.openxmlformats.org/officeDocument/2006/relationships" xmlns:p="http://schemas.openxmlformats.org/presentationml/2006/main" showMasterSp="0" showMasterPhAnim="0">
+  <p:cSld>
+    <p:spTree>
+      <p:nvGrpSpPr>
+        <p:cNvPr id="1" name="Shape 120">
+          <a:extLst>
+            <a:ext uri="{FF2B5EF4-FFF2-40B4-BE49-F238E27FC236}">
+              <a16:creationId xmlns:a16="http://schemas.microsoft.com/office/drawing/2014/main" id="{E9316E53-4628-71EA-631E-93C9EA929404}"/>
+            </a:ext>
+          </a:extLst>
+        </p:cNvPr>
+        <p:cNvGrpSpPr/>
+        <p:nvPr/>
+      </p:nvGrpSpPr>
+      <p:grpSpPr>
+        <a:xfrm>
+          <a:off x="0" y="0"/>
+          <a:ext cx="0" cy="0"/>
+          <a:chOff x="0" y="0"/>
+          <a:chExt cx="0" cy="0"/>
+        </a:xfrm>
+      </p:grpSpPr>
+      <p:sp>
+        <p:nvSpPr>
+          <p:cNvPr id="121" name="Google Shape;121;p5:notes">
+            <a:extLst>
+              <a:ext uri="{FF2B5EF4-FFF2-40B4-BE49-F238E27FC236}">
+                <a16:creationId xmlns:a16="http://schemas.microsoft.com/office/drawing/2014/main" id="{6732CFE0-5F7D-E41A-B56A-AE42059C0CE6}"/>
+              </a:ext>
+            </a:extLst>
+          </p:cNvPr>
+          <p:cNvSpPr txBox="1">
+            <a:spLocks noGrp="1"/>
+          </p:cNvSpPr>
+          <p:nvPr>
+            <p:ph type="body" idx="1"/>
+          </p:nvPr>
+        </p:nvSpPr>
+        <p:spPr>
+          <a:xfrm>
+            <a:off x="685800" y="4400550"/>
+            <a:ext cx="5486400" cy="3600450"/>
+          </a:xfrm>
+          <a:prstGeom prst="rect">
+            <a:avLst/>
+          </a:prstGeom>
+        </p:spPr>
+        <p:txBody>
+          <a:bodyPr spcFirstLastPara="1" wrap="square" lIns="91425" tIns="45700" rIns="91425" bIns="45700" anchor="t" anchorCtr="0">
+            <a:noAutofit/>
+          </a:bodyPr>
+          <a:lstStyle/>
+          <a:p>
+            <a:pPr marL="0" lvl="0" indent="0" algn="l" rtl="0">
+              <a:spcBef>
+                <a:spcPts val="0"/>
+              </a:spcBef>
+              <a:spcAft>
+                <a:spcPts val="0"/>
+              </a:spcAft>
+              <a:buNone/>
+            </a:pPr>
+            <a:endParaRPr/>
+          </a:p>
+        </p:txBody>
+      </p:sp>
+      <p:sp>
+        <p:nvSpPr>
+          <p:cNvPr id="122" name="Google Shape;122;p5:notes">
+            <a:extLst>
+              <a:ext uri="{FF2B5EF4-FFF2-40B4-BE49-F238E27FC236}">
+                <a16:creationId xmlns:a16="http://schemas.microsoft.com/office/drawing/2014/main" id="{D92662E8-0F54-FCF8-00A7-95BA3CABC820}"/>
+              </a:ext>
+            </a:extLst>
+          </p:cNvPr>
+          <p:cNvSpPr>
+            <a:spLocks noGrp="1" noRot="1" noChangeAspect="1"/>
+          </p:cNvSpPr>
+          <p:nvPr>
+            <p:ph type="sldImg" idx="2"/>
+          </p:nvPr>
+        </p:nvSpPr>
+        <p:spPr>
+          <a:xfrm>
+            <a:off x="685800" y="1143000"/>
+            <a:ext cx="5486400" cy="3086100"/>
+          </a:xfrm>
+          <a:custGeom>
+            <a:avLst/>
+            <a:gdLst/>
+            <a:ahLst/>
+            <a:cxnLst/>
+            <a:rect l="l" t="t" r="r" b="b"/>
+            <a:pathLst>
+              <a:path w="120000" h="120000" extrusionOk="0">
+                <a:moveTo>
+                  <a:pt x="0" y="0"/>
+                </a:moveTo>
+                <a:lnTo>
+                  <a:pt x="120000" y="0"/>
+                </a:lnTo>
+                <a:lnTo>
+                  <a:pt x="120000" y="120000"/>
+                </a:lnTo>
+                <a:lnTo>
+                  <a:pt x="0" y="120000"/>
+                </a:lnTo>
+                <a:close/>
+              </a:path>
+            </a:pathLst>
+          </a:custGeom>
+        </p:spPr>
+      </p:sp>
+    </p:spTree>
+    <p:extLst>
+      <p:ext uri="{BB962C8B-B14F-4D97-AF65-F5344CB8AC3E}">
+        <p14:creationId xmlns:p14="http://schemas.microsoft.com/office/powerpoint/2010/main" val="1180960841"/>
+      </p:ext>
+    </p:extLst>
+  </p:cSld>
+  <p:clrMapOvr>
+    <a:masterClrMapping/>
+  </p:clrMapOvr>
+</p:notes>
+</file>
+
+<file path=ppt/notesSlides/notesSlide8.xml><?xml version="1.0" encoding="utf-8"?>
+<p:notes xmlns:a="http://schemas.openxmlformats.org/drawingml/2006/main" xmlns:r="http://schemas.openxmlformats.org/officeDocument/2006/relationships" xmlns:p="http://schemas.openxmlformats.org/presentationml/2006/main" showMasterSp="0" showMasterPhAnim="0">
+  <p:cSld>
+    <p:spTree>
+      <p:nvGrpSpPr>
+        <p:cNvPr id="1" name="Shape 112">
+          <a:extLst>
+            <a:ext uri="{FF2B5EF4-FFF2-40B4-BE49-F238E27FC236}">
+              <a16:creationId xmlns:a16="http://schemas.microsoft.com/office/drawing/2014/main" id="{19210D67-C789-00BC-3BDC-BA4BDB65A366}"/>
+            </a:ext>
+          </a:extLst>
+        </p:cNvPr>
+        <p:cNvGrpSpPr/>
+        <p:nvPr/>
+      </p:nvGrpSpPr>
+      <p:grpSpPr>
+        <a:xfrm>
+          <a:off x="0" y="0"/>
+          <a:ext cx="0" cy="0"/>
+          <a:chOff x="0" y="0"/>
+          <a:chExt cx="0" cy="0"/>
+        </a:xfrm>
+      </p:grpSpPr>
+      <p:sp>
+        <p:nvSpPr>
+          <p:cNvPr id="113" name="Google Shape;113;p4:notes">
+            <a:extLst>
+              <a:ext uri="{FF2B5EF4-FFF2-40B4-BE49-F238E27FC236}">
+                <a16:creationId xmlns:a16="http://schemas.microsoft.com/office/drawing/2014/main" id="{D0A909B4-233B-0C1A-1155-E705C145630E}"/>
+              </a:ext>
+            </a:extLst>
+          </p:cNvPr>
+          <p:cNvSpPr txBox="1">
+            <a:spLocks noGrp="1"/>
+          </p:cNvSpPr>
+          <p:nvPr>
+            <p:ph type="body" idx="1"/>
+          </p:nvPr>
+        </p:nvSpPr>
+        <p:spPr>
+          <a:xfrm>
+            <a:off x="685800" y="4400550"/>
+            <a:ext cx="5486400" cy="3600450"/>
+          </a:xfrm>
+          <a:prstGeom prst="rect">
+            <a:avLst/>
+          </a:prstGeom>
+        </p:spPr>
+        <p:txBody>
+          <a:bodyPr spcFirstLastPara="1" wrap="square" lIns="91425" tIns="45700" rIns="91425" bIns="45700" anchor="t" anchorCtr="0">
+            <a:noAutofit/>
+          </a:bodyPr>
+          <a:lstStyle/>
+          <a:p>
+            <a:pPr marL="0" lvl="0" indent="0" algn="l" rtl="0">
+              <a:spcBef>
+                <a:spcPts val="0"/>
+              </a:spcBef>
+              <a:spcAft>
+                <a:spcPts val="0"/>
+              </a:spcAft>
+              <a:buNone/>
+            </a:pPr>
+            <a:endParaRPr/>
+          </a:p>
+        </p:txBody>
+      </p:sp>
+      <p:sp>
+        <p:nvSpPr>
+          <p:cNvPr id="114" name="Google Shape;114;p4:notes">
+            <a:extLst>
+              <a:ext uri="{FF2B5EF4-FFF2-40B4-BE49-F238E27FC236}">
+                <a16:creationId xmlns:a16="http://schemas.microsoft.com/office/drawing/2014/main" id="{AF6AE193-640F-90B7-2DCB-0D0C6E20C8A0}"/>
+              </a:ext>
+            </a:extLst>
+          </p:cNvPr>
+          <p:cNvSpPr>
+            <a:spLocks noGrp="1" noRot="1" noChangeAspect="1"/>
+          </p:cNvSpPr>
+          <p:nvPr>
+            <p:ph type="sldImg" idx="2"/>
+          </p:nvPr>
+        </p:nvSpPr>
+        <p:spPr>
+          <a:xfrm>
+            <a:off x="685800" y="1143000"/>
+            <a:ext cx="5486400" cy="3086100"/>
+          </a:xfrm>
+          <a:custGeom>
+            <a:avLst/>
+            <a:gdLst/>
+            <a:ahLst/>
+            <a:cxnLst/>
+            <a:rect l="l" t="t" r="r" b="b"/>
+            <a:pathLst>
+              <a:path w="120000" h="120000" extrusionOk="0">
+                <a:moveTo>
+                  <a:pt x="0" y="0"/>
+                </a:moveTo>
+                <a:lnTo>
+                  <a:pt x="120000" y="0"/>
+                </a:lnTo>
+                <a:lnTo>
+                  <a:pt x="120000" y="120000"/>
+                </a:lnTo>
+                <a:lnTo>
+                  <a:pt x="0" y="120000"/>
+                </a:lnTo>
+                <a:close/>
+              </a:path>
+            </a:pathLst>
+          </a:custGeom>
+        </p:spPr>
+      </p:sp>
+    </p:spTree>
+    <p:extLst>
+      <p:ext uri="{BB962C8B-B14F-4D97-AF65-F5344CB8AC3E}">
+        <p14:creationId xmlns:p14="http://schemas.microsoft.com/office/powerpoint/2010/main" val="2401968801"/>
+      </p:ext>
+    </p:extLst>
+  </p:cSld>
+  <p:clrMapOvr>
+    <a:masterClrMapping/>
+  </p:clrMapOvr>
+</p:notes>
+</file>
+
+<file path=ppt/notesSlides/notesSlide9.xml><?xml version="1.0" encoding="utf-8"?>
 <p:notes xmlns:a="http://schemas.openxmlformats.org/drawingml/2006/main" xmlns:r="http://schemas.openxmlformats.org/officeDocument/2006/relationships" xmlns:p="http://schemas.openxmlformats.org/presentationml/2006/main" showMasterSp="0" showMasterPhAnim="0">
   <p:cSld>
     <p:spTree>
@@ -2750,214 +3365,6 @@
       <p:sp>
         <p:nvSpPr>
           <p:cNvPr id="129" name="Google Shape;129;p6:notes"/>
-          <p:cNvSpPr>
-            <a:spLocks noGrp="1" noRot="1" noChangeAspect="1"/>
-          </p:cNvSpPr>
-          <p:nvPr>
-            <p:ph type="sldImg" idx="2"/>
-          </p:nvPr>
-        </p:nvSpPr>
-        <p:spPr>
-          <a:xfrm>
-            <a:off x="685800" y="1143000"/>
-            <a:ext cx="5486400" cy="3086100"/>
-          </a:xfrm>
-          <a:custGeom>
-            <a:avLst/>
-            <a:gdLst/>
-            <a:ahLst/>
-            <a:cxnLst/>
-            <a:rect l="l" t="t" r="r" b="b"/>
-            <a:pathLst>
-              <a:path w="120000" h="120000" extrusionOk="0">
-                <a:moveTo>
-                  <a:pt x="0" y="0"/>
-                </a:moveTo>
-                <a:lnTo>
-                  <a:pt x="120000" y="0"/>
-                </a:lnTo>
-                <a:lnTo>
-                  <a:pt x="120000" y="120000"/>
-                </a:lnTo>
-                <a:lnTo>
-                  <a:pt x="0" y="120000"/>
-                </a:lnTo>
-                <a:close/>
-              </a:path>
-            </a:pathLst>
-          </a:custGeom>
-        </p:spPr>
-      </p:sp>
-    </p:spTree>
-  </p:cSld>
-  <p:clrMapOvr>
-    <a:masterClrMapping/>
-  </p:clrMapOvr>
-</p:notes>
-</file>
-
-<file path=ppt/notesSlides/notesSlide8.xml><?xml version="1.0" encoding="utf-8"?>
-<p:notes xmlns:a="http://schemas.openxmlformats.org/drawingml/2006/main" xmlns:r="http://schemas.openxmlformats.org/officeDocument/2006/relationships" xmlns:p="http://schemas.openxmlformats.org/presentationml/2006/main" showMasterSp="0" showMasterPhAnim="0">
-  <p:cSld>
-    <p:spTree>
-      <p:nvGrpSpPr>
-        <p:cNvPr id="1" name="Shape 134"/>
-        <p:cNvGrpSpPr/>
-        <p:nvPr/>
-      </p:nvGrpSpPr>
-      <p:grpSpPr>
-        <a:xfrm>
-          <a:off x="0" y="0"/>
-          <a:ext cx="0" cy="0"/>
-          <a:chOff x="0" y="0"/>
-          <a:chExt cx="0" cy="0"/>
-        </a:xfrm>
-      </p:grpSpPr>
-      <p:sp>
-        <p:nvSpPr>
-          <p:cNvPr id="135" name="Google Shape;135;p7:notes"/>
-          <p:cNvSpPr txBox="1">
-            <a:spLocks noGrp="1"/>
-          </p:cNvSpPr>
-          <p:nvPr>
-            <p:ph type="body" idx="1"/>
-          </p:nvPr>
-        </p:nvSpPr>
-        <p:spPr>
-          <a:xfrm>
-            <a:off x="685800" y="4400550"/>
-            <a:ext cx="5486400" cy="3600450"/>
-          </a:xfrm>
-          <a:prstGeom prst="rect">
-            <a:avLst/>
-          </a:prstGeom>
-        </p:spPr>
-        <p:txBody>
-          <a:bodyPr spcFirstLastPara="1" wrap="square" lIns="91425" tIns="45700" rIns="91425" bIns="45700" anchor="t" anchorCtr="0">
-            <a:noAutofit/>
-          </a:bodyPr>
-          <a:lstStyle/>
-          <a:p>
-            <a:pPr marL="0" lvl="0" indent="0" algn="l" rtl="0">
-              <a:spcBef>
-                <a:spcPts val="0"/>
-              </a:spcBef>
-              <a:spcAft>
-                <a:spcPts val="0"/>
-              </a:spcAft>
-              <a:buNone/>
-            </a:pPr>
-            <a:endParaRPr/>
-          </a:p>
-        </p:txBody>
-      </p:sp>
-      <p:sp>
-        <p:nvSpPr>
-          <p:cNvPr id="136" name="Google Shape;136;p7:notes"/>
-          <p:cNvSpPr>
-            <a:spLocks noGrp="1" noRot="1" noChangeAspect="1"/>
-          </p:cNvSpPr>
-          <p:nvPr>
-            <p:ph type="sldImg" idx="2"/>
-          </p:nvPr>
-        </p:nvSpPr>
-        <p:spPr>
-          <a:xfrm>
-            <a:off x="685800" y="1143000"/>
-            <a:ext cx="5486400" cy="3086100"/>
-          </a:xfrm>
-          <a:custGeom>
-            <a:avLst/>
-            <a:gdLst/>
-            <a:ahLst/>
-            <a:cxnLst/>
-            <a:rect l="l" t="t" r="r" b="b"/>
-            <a:pathLst>
-              <a:path w="120000" h="120000" extrusionOk="0">
-                <a:moveTo>
-                  <a:pt x="0" y="0"/>
-                </a:moveTo>
-                <a:lnTo>
-                  <a:pt x="120000" y="0"/>
-                </a:lnTo>
-                <a:lnTo>
-                  <a:pt x="120000" y="120000"/>
-                </a:lnTo>
-                <a:lnTo>
-                  <a:pt x="0" y="120000"/>
-                </a:lnTo>
-                <a:close/>
-              </a:path>
-            </a:pathLst>
-          </a:custGeom>
-        </p:spPr>
-      </p:sp>
-    </p:spTree>
-  </p:cSld>
-  <p:clrMapOvr>
-    <a:masterClrMapping/>
-  </p:clrMapOvr>
-</p:notes>
-</file>
-
-<file path=ppt/notesSlides/notesSlide9.xml><?xml version="1.0" encoding="utf-8"?>
-<p:notes xmlns:a="http://schemas.openxmlformats.org/drawingml/2006/main" xmlns:r="http://schemas.openxmlformats.org/officeDocument/2006/relationships" xmlns:p="http://schemas.openxmlformats.org/presentationml/2006/main" showMasterSp="0" showMasterPhAnim="0">
-  <p:cSld>
-    <p:spTree>
-      <p:nvGrpSpPr>
-        <p:cNvPr id="1" name="Shape 141"/>
-        <p:cNvGrpSpPr/>
-        <p:nvPr/>
-      </p:nvGrpSpPr>
-      <p:grpSpPr>
-        <a:xfrm>
-          <a:off x="0" y="0"/>
-          <a:ext cx="0" cy="0"/>
-          <a:chOff x="0" y="0"/>
-          <a:chExt cx="0" cy="0"/>
-        </a:xfrm>
-      </p:grpSpPr>
-      <p:sp>
-        <p:nvSpPr>
-          <p:cNvPr id="142" name="Google Shape;142;p8:notes"/>
-          <p:cNvSpPr txBox="1">
-            <a:spLocks noGrp="1"/>
-          </p:cNvSpPr>
-          <p:nvPr>
-            <p:ph type="body" idx="1"/>
-          </p:nvPr>
-        </p:nvSpPr>
-        <p:spPr>
-          <a:xfrm>
-            <a:off x="685800" y="4400550"/>
-            <a:ext cx="5486400" cy="3600450"/>
-          </a:xfrm>
-          <a:prstGeom prst="rect">
-            <a:avLst/>
-          </a:prstGeom>
-        </p:spPr>
-        <p:txBody>
-          <a:bodyPr spcFirstLastPara="1" wrap="square" lIns="91425" tIns="45700" rIns="91425" bIns="45700" anchor="t" anchorCtr="0">
-            <a:noAutofit/>
-          </a:bodyPr>
-          <a:lstStyle/>
-          <a:p>
-            <a:pPr marL="0" lvl="0" indent="0" algn="l" rtl="0">
-              <a:spcBef>
-                <a:spcPts val="0"/>
-              </a:spcBef>
-              <a:spcAft>
-                <a:spcPts val="0"/>
-              </a:spcAft>
-              <a:buNone/>
-            </a:pPr>
-            <a:endParaRPr/>
-          </a:p>
-        </p:txBody>
-      </p:sp>
-      <p:sp>
-        <p:nvSpPr>
-          <p:cNvPr id="143" name="Google Shape;143;p8:notes"/>
           <p:cNvSpPr>
             <a:spLocks noGrp="1" noRot="1" noChangeAspect="1"/>
           </p:cNvSpPr>
@@ -13355,7 +13762,13 @@
   <p:cSld>
     <p:spTree>
       <p:nvGrpSpPr>
-        <p:cNvPr id="1" name="Shape 151"/>
+        <p:cNvPr id="1" name="Shape 130">
+          <a:extLst>
+            <a:ext uri="{FF2B5EF4-FFF2-40B4-BE49-F238E27FC236}">
+              <a16:creationId xmlns:a16="http://schemas.microsoft.com/office/drawing/2014/main" id="{F8A5A9F4-C20D-E42F-765F-1C95A4A28D76}"/>
+            </a:ext>
+          </a:extLst>
+        </p:cNvPr>
         <p:cNvGrpSpPr/>
         <p:nvPr/>
       </p:nvGrpSpPr>
@@ -13369,7 +13782,13 @@
       </p:grpSpPr>
       <p:sp>
         <p:nvSpPr>
-          <p:cNvPr id="152" name="Google Shape;152;p9"/>
+          <p:cNvPr id="131" name="Google Shape;131;p6">
+            <a:extLst>
+              <a:ext uri="{FF2B5EF4-FFF2-40B4-BE49-F238E27FC236}">
+                <a16:creationId xmlns:a16="http://schemas.microsoft.com/office/drawing/2014/main" id="{546E8232-62B7-D42C-1E89-41CA0C69E8AB}"/>
+              </a:ext>
+            </a:extLst>
+          </p:cNvPr>
           <p:cNvSpPr txBox="1"/>
           <p:nvPr/>
         </p:nvSpPr>
@@ -13402,7 +13821,7 @@
               <a:buNone/>
             </a:pPr>
             <a:r>
-              <a:rPr lang="en-US" sz="5400">
+              <a:rPr lang="en-US" sz="5400" dirty="0">
                 <a:solidFill>
                   <a:schemeClr val="dk1"/>
                 </a:solidFill>
@@ -13411,22 +13830,28 @@
                 <a:cs typeface="Economica"/>
                 <a:sym typeface="Economica"/>
               </a:rPr>
-              <a:t>Get More Data!</a:t>
+              <a:t>Batch Normalization</a:t>
             </a:r>
-            <a:endParaRPr/>
+            <a:endParaRPr dirty="0"/>
           </a:p>
         </p:txBody>
       </p:sp>
       <p:sp>
         <p:nvSpPr>
-          <p:cNvPr id="153" name="Google Shape;153;p9"/>
+          <p:cNvPr id="132" name="Google Shape;132;p6">
+            <a:extLst>
+              <a:ext uri="{FF2B5EF4-FFF2-40B4-BE49-F238E27FC236}">
+                <a16:creationId xmlns:a16="http://schemas.microsoft.com/office/drawing/2014/main" id="{C6C7B91E-7FB5-0741-0846-F1C44B3F842F}"/>
+              </a:ext>
+            </a:extLst>
+          </p:cNvPr>
           <p:cNvSpPr txBox="1"/>
           <p:nvPr/>
         </p:nvSpPr>
         <p:spPr>
           <a:xfrm>
             <a:off x="890337" y="1940249"/>
-            <a:ext cx="10016362" cy="1923604"/>
+            <a:ext cx="10016362" cy="3662501"/>
           </a:xfrm>
           <a:prstGeom prst="rect">
             <a:avLst/>
@@ -13452,7 +13877,760 @@
               <a:buNone/>
             </a:pPr>
             <a:r>
-              <a:rPr lang="en-US" sz="1800" b="1">
+              <a:rPr lang="en-US" sz="2000" b="1" dirty="0">
+                <a:solidFill>
+                  <a:schemeClr val="dk1"/>
+                </a:solidFill>
+                <a:latin typeface="Quicksand"/>
+                <a:sym typeface="Quicksand"/>
+              </a:rPr>
+              <a:t>Re-scales batch coming into each layer, to make it unit-normal distributed. </a:t>
+            </a:r>
+            <a:endParaRPr dirty="0"/>
+          </a:p>
+          <a:p>
+            <a:pPr marL="171450" marR="0" lvl="0" indent="-82550" algn="l" rtl="0">
+              <a:spcBef>
+                <a:spcPts val="0"/>
+              </a:spcBef>
+              <a:spcAft>
+                <a:spcPts val="0"/>
+              </a:spcAft>
+              <a:buClr>
+                <a:schemeClr val="dk1"/>
+              </a:buClr>
+              <a:buSzPts val="1400"/>
+              <a:buFont typeface="Arial"/>
+              <a:buNone/>
+            </a:pPr>
+            <a:endParaRPr sz="1400" dirty="0">
+              <a:solidFill>
+                <a:schemeClr val="dk1"/>
+              </a:solidFill>
+              <a:latin typeface="Quicksand"/>
+              <a:ea typeface="Quicksand"/>
+              <a:cs typeface="Quicksand"/>
+              <a:sym typeface="Quicksand"/>
+            </a:endParaRPr>
+          </a:p>
+          <a:p>
+            <a:pPr marL="628650" marR="0" lvl="1" indent="-171450" algn="l" rtl="0">
+              <a:spcBef>
+                <a:spcPts val="0"/>
+              </a:spcBef>
+              <a:spcAft>
+                <a:spcPts val="0"/>
+              </a:spcAft>
+              <a:buClr>
+                <a:schemeClr val="dk1"/>
+              </a:buClr>
+              <a:buSzPts val="1800"/>
+              <a:buFont typeface="Arial"/>
+              <a:buChar char="•"/>
+            </a:pPr>
+            <a:r>
+              <a:rPr lang="en-US" sz="1800" b="0" i="0" u="none" strike="noStrike" cap="none" dirty="0">
+                <a:solidFill>
+                  <a:schemeClr val="dk1"/>
+                </a:solidFill>
+                <a:latin typeface="Quicksand"/>
+                <a:ea typeface="Quicksand"/>
+                <a:cs typeface="Quicksand"/>
+                <a:sym typeface="Quicksand"/>
+              </a:rPr>
+              <a:t>The primary reason for these layers is to improve/speed up trainin</a:t>
+            </a:r>
+            <a:r>
+              <a:rPr lang="en-US" sz="1800" dirty="0">
+                <a:solidFill>
+                  <a:schemeClr val="dk1"/>
+                </a:solidFill>
+                <a:latin typeface="Quicksand"/>
+                <a:ea typeface="Quicksand"/>
+                <a:cs typeface="Quicksand"/>
+                <a:sym typeface="Quicksand"/>
+              </a:rPr>
+              <a:t>g. Absent this, changes to up-funnel weights cause ‘shifts’ in the distribution of data entering later layers. Later layers’ weights need to be updated constantly to adapt to those up-stream shifts. Batch normalization removes this issue. </a:t>
+            </a:r>
+            <a:br>
+              <a:rPr lang="en-US" sz="1800" dirty="0">
+                <a:solidFill>
+                  <a:schemeClr val="dk1"/>
+                </a:solidFill>
+                <a:latin typeface="Quicksand"/>
+                <a:ea typeface="Quicksand"/>
+                <a:cs typeface="Quicksand"/>
+                <a:sym typeface="Quicksand"/>
+              </a:rPr>
+            </a:br>
+            <a:endParaRPr lang="en-US" sz="1800" dirty="0">
+              <a:solidFill>
+                <a:schemeClr val="dk1"/>
+              </a:solidFill>
+              <a:latin typeface="Quicksand"/>
+              <a:ea typeface="Quicksand"/>
+              <a:cs typeface="Quicksand"/>
+              <a:sym typeface="Quicksand"/>
+            </a:endParaRPr>
+          </a:p>
+          <a:p>
+            <a:pPr marL="628650" marR="0" lvl="1" indent="-171450" algn="l" rtl="0">
+              <a:spcBef>
+                <a:spcPts val="0"/>
+              </a:spcBef>
+              <a:spcAft>
+                <a:spcPts val="0"/>
+              </a:spcAft>
+              <a:buClr>
+                <a:schemeClr val="dk1"/>
+              </a:buClr>
+              <a:buSzPts val="1800"/>
+              <a:buFont typeface="Arial"/>
+              <a:buChar char="•"/>
+            </a:pPr>
+            <a:r>
+              <a:rPr lang="en-US" sz="1800" dirty="0">
+                <a:solidFill>
+                  <a:schemeClr val="dk1"/>
+                </a:solidFill>
+                <a:latin typeface="Quicksand"/>
+                <a:sym typeface="Quicksand"/>
+              </a:rPr>
+              <a:t>A by-product of batch normalization is that it acts like a weak form of Dropout, because normalization is implemented based on the current batch of data. Mean and variance estimates from the current batch are a noisy reflection of population mean and variance. Hence, we get some noise being injected in the training process as a result.</a:t>
+            </a:r>
+            <a:endParaRPr dirty="0"/>
+          </a:p>
+          <a:p>
+            <a:pPr marL="628650" marR="0" lvl="1" indent="-57150" algn="l" rtl="0">
+              <a:spcBef>
+                <a:spcPts val="0"/>
+              </a:spcBef>
+              <a:spcAft>
+                <a:spcPts val="0"/>
+              </a:spcAft>
+              <a:buClr>
+                <a:schemeClr val="dk1"/>
+              </a:buClr>
+              <a:buSzPts val="1800"/>
+              <a:buFont typeface="Arial"/>
+              <a:buNone/>
+            </a:pPr>
+            <a:endParaRPr sz="1800" b="0" i="0" u="none" strike="noStrike" cap="none" dirty="0">
+              <a:solidFill>
+                <a:schemeClr val="dk1"/>
+              </a:solidFill>
+              <a:latin typeface="Quicksand"/>
+              <a:ea typeface="Quicksand"/>
+              <a:cs typeface="Quicksand"/>
+              <a:sym typeface="Quicksand"/>
+            </a:endParaRPr>
+          </a:p>
+        </p:txBody>
+      </p:sp>
+    </p:spTree>
+    <p:extLst>
+      <p:ext uri="{BB962C8B-B14F-4D97-AF65-F5344CB8AC3E}">
+        <p14:creationId xmlns:p14="http://schemas.microsoft.com/office/powerpoint/2010/main" val="2210597179"/>
+      </p:ext>
+    </p:extLst>
+  </p:cSld>
+  <p:clrMapOvr>
+    <a:masterClrMapping/>
+  </p:clrMapOvr>
+</p:sld>
+</file>
+
+<file path=ppt/slides/slide11.xml><?xml version="1.0" encoding="utf-8"?>
+<p:sld xmlns:a="http://schemas.openxmlformats.org/drawingml/2006/main" xmlns:r="http://schemas.openxmlformats.org/officeDocument/2006/relationships" xmlns:p="http://schemas.openxmlformats.org/presentationml/2006/main">
+  <p:cSld>
+    <p:spTree>
+      <p:nvGrpSpPr>
+        <p:cNvPr id="1" name="Shape 137"/>
+        <p:cNvGrpSpPr/>
+        <p:nvPr/>
+      </p:nvGrpSpPr>
+      <p:grpSpPr>
+        <a:xfrm>
+          <a:off x="0" y="0"/>
+          <a:ext cx="0" cy="0"/>
+          <a:chOff x="0" y="0"/>
+          <a:chExt cx="0" cy="0"/>
+        </a:xfrm>
+      </p:grpSpPr>
+      <p:sp>
+        <p:nvSpPr>
+          <p:cNvPr id="138" name="Google Shape;138;p7"/>
+          <p:cNvSpPr txBox="1"/>
+          <p:nvPr/>
+        </p:nvSpPr>
+        <p:spPr>
+          <a:xfrm>
+            <a:off x="2865521" y="586938"/>
+            <a:ext cx="6460957" cy="923330"/>
+          </a:xfrm>
+          <a:prstGeom prst="rect">
+            <a:avLst/>
+          </a:prstGeom>
+          <a:noFill/>
+          <a:ln>
+            <a:noFill/>
+          </a:ln>
+        </p:spPr>
+        <p:txBody>
+          <a:bodyPr spcFirstLastPara="1" wrap="square" lIns="91425" tIns="45700" rIns="91425" bIns="45700" anchor="t" anchorCtr="0">
+            <a:spAutoFit/>
+          </a:bodyPr>
+          <a:lstStyle/>
+          <a:p>
+            <a:pPr marL="0" marR="0" lvl="0" indent="0" algn="ctr" rtl="0">
+              <a:spcBef>
+                <a:spcPts val="0"/>
+              </a:spcBef>
+              <a:spcAft>
+                <a:spcPts val="0"/>
+              </a:spcAft>
+              <a:buNone/>
+            </a:pPr>
+            <a:r>
+              <a:rPr lang="en-US" sz="5400">
+                <a:solidFill>
+                  <a:schemeClr val="dk1"/>
+                </a:solidFill>
+                <a:latin typeface="Economica"/>
+                <a:ea typeface="Economica"/>
+                <a:cs typeface="Economica"/>
+                <a:sym typeface="Economica"/>
+              </a:rPr>
+              <a:t>Adjust Batch Size</a:t>
+            </a:r>
+            <a:endParaRPr/>
+          </a:p>
+        </p:txBody>
+      </p:sp>
+      <p:pic>
+        <p:nvPicPr>
+          <p:cNvPr id="139" name="Google Shape;139;p7"/>
+          <p:cNvPicPr preferRelativeResize="0"/>
+          <p:nvPr/>
+        </p:nvPicPr>
+        <p:blipFill rotWithShape="1">
+          <a:blip r:embed="rId3">
+            <a:alphaModFix/>
+          </a:blip>
+          <a:srcRect/>
+          <a:stretch/>
+        </p:blipFill>
+        <p:spPr>
+          <a:xfrm>
+            <a:off x="5777948" y="1892150"/>
+            <a:ext cx="5185464" cy="4484425"/>
+          </a:xfrm>
+          <a:prstGeom prst="rect">
+            <a:avLst/>
+          </a:prstGeom>
+          <a:noFill/>
+          <a:ln>
+            <a:noFill/>
+          </a:ln>
+        </p:spPr>
+      </p:pic>
+      <p:pic>
+        <p:nvPicPr>
+          <p:cNvPr id="140" name="Google Shape;140;p7"/>
+          <p:cNvPicPr preferRelativeResize="0"/>
+          <p:nvPr/>
+        </p:nvPicPr>
+        <p:blipFill rotWithShape="1">
+          <a:blip r:embed="rId4">
+            <a:alphaModFix/>
+          </a:blip>
+          <a:srcRect/>
+          <a:stretch/>
+        </p:blipFill>
+        <p:spPr>
+          <a:xfrm>
+            <a:off x="2204831" y="2873513"/>
+            <a:ext cx="2057400" cy="1879600"/>
+          </a:xfrm>
+          <a:prstGeom prst="rect">
+            <a:avLst/>
+          </a:prstGeom>
+          <a:noFill/>
+          <a:ln>
+            <a:noFill/>
+          </a:ln>
+        </p:spPr>
+      </p:pic>
+      <p:sp>
+        <p:nvSpPr>
+          <p:cNvPr id="2" name="Oval 1">
+            <a:extLst>
+              <a:ext uri="{FF2B5EF4-FFF2-40B4-BE49-F238E27FC236}">
+                <a16:creationId xmlns:a16="http://schemas.microsoft.com/office/drawing/2014/main" id="{441FABD0-6261-09F6-89D4-8B6F6110B6B8}"/>
+              </a:ext>
+            </a:extLst>
+          </p:cNvPr>
+          <p:cNvSpPr/>
+          <p:nvPr/>
+        </p:nvSpPr>
+        <p:spPr>
+          <a:xfrm>
+            <a:off x="4627084" y="4461831"/>
+            <a:ext cx="7564916" cy="2181340"/>
+          </a:xfrm>
+          <a:prstGeom prst="ellipse">
+            <a:avLst/>
+          </a:prstGeom>
+          <a:noFill/>
+          <a:ln>
+            <a:solidFill>
+              <a:srgbClr val="FF0000"/>
+            </a:solidFill>
+          </a:ln>
+        </p:spPr>
+        <p:style>
+          <a:lnRef idx="2">
+            <a:schemeClr val="accent1">
+              <a:shade val="15000"/>
+            </a:schemeClr>
+          </a:lnRef>
+          <a:fillRef idx="1">
+            <a:schemeClr val="accent1"/>
+          </a:fillRef>
+          <a:effectRef idx="0">
+            <a:schemeClr val="accent1"/>
+          </a:effectRef>
+          <a:fontRef idx="minor">
+            <a:schemeClr val="lt1"/>
+          </a:fontRef>
+        </p:style>
+        <p:txBody>
+          <a:bodyPr rtlCol="0" anchor="ctr"/>
+          <a:lstStyle/>
+          <a:p>
+            <a:pPr algn="ctr"/>
+            <a:endParaRPr lang="en-US"/>
+          </a:p>
+        </p:txBody>
+      </p:sp>
+    </p:spTree>
+  </p:cSld>
+  <p:clrMapOvr>
+    <a:masterClrMapping/>
+  </p:clrMapOvr>
+  <p:timing>
+    <p:tnLst>
+      <p:par>
+        <p:cTn id="1" dur="indefinite" restart="never" nodeType="tmRoot">
+          <p:childTnLst>
+            <p:seq concurrent="1" nextAc="seek">
+              <p:cTn id="2" dur="indefinite" nodeType="mainSeq">
+                <p:childTnLst>
+                  <p:par>
+                    <p:cTn id="3" fill="hold">
+                      <p:stCondLst>
+                        <p:cond delay="indefinite"/>
+                      </p:stCondLst>
+                      <p:childTnLst>
+                        <p:par>
+                          <p:cTn id="4" fill="hold">
+                            <p:stCondLst>
+                              <p:cond delay="0"/>
+                            </p:stCondLst>
+                            <p:childTnLst>
+                              <p:par>
+                                <p:cTn id="5" presetID="1" presetClass="entr" presetSubtype="0" fill="hold" grpId="0" nodeType="clickEffect">
+                                  <p:stCondLst>
+                                    <p:cond delay="0"/>
+                                  </p:stCondLst>
+                                  <p:childTnLst>
+                                    <p:set>
+                                      <p:cBhvr>
+                                        <p:cTn id="6" dur="1" fill="hold">
+                                          <p:stCondLst>
+                                            <p:cond delay="0"/>
+                                          </p:stCondLst>
+                                        </p:cTn>
+                                        <p:tgtEl>
+                                          <p:spTgt spid="2"/>
+                                        </p:tgtEl>
+                                        <p:attrNameLst>
+                                          <p:attrName>style.visibility</p:attrName>
+                                        </p:attrNameLst>
+                                      </p:cBhvr>
+                                      <p:to>
+                                        <p:strVal val="visible"/>
+                                      </p:to>
+                                    </p:set>
+                                  </p:childTnLst>
+                                </p:cTn>
+                              </p:par>
+                            </p:childTnLst>
+                          </p:cTn>
+                        </p:par>
+                      </p:childTnLst>
+                    </p:cTn>
+                  </p:par>
+                </p:childTnLst>
+              </p:cTn>
+              <p:prevCondLst>
+                <p:cond evt="onPrev" delay="0">
+                  <p:tgtEl>
+                    <p:sldTgt/>
+                  </p:tgtEl>
+                </p:cond>
+              </p:prevCondLst>
+              <p:nextCondLst>
+                <p:cond evt="onNext" delay="0">
+                  <p:tgtEl>
+                    <p:sldTgt/>
+                  </p:tgtEl>
+                </p:cond>
+              </p:nextCondLst>
+            </p:seq>
+          </p:childTnLst>
+        </p:cTn>
+      </p:par>
+    </p:tnLst>
+    <p:bldLst>
+      <p:bldP spid="2" grpId="0" animBg="1"/>
+    </p:bldLst>
+  </p:timing>
+</p:sld>
+</file>
+
+<file path=ppt/slides/slide12.xml><?xml version="1.0" encoding="utf-8"?>
+<p:sld xmlns:a="http://schemas.openxmlformats.org/drawingml/2006/main" xmlns:r="http://schemas.openxmlformats.org/officeDocument/2006/relationships" xmlns:p="http://schemas.openxmlformats.org/presentationml/2006/main">
+  <p:cSld>
+    <p:spTree>
+      <p:nvGrpSpPr>
+        <p:cNvPr id="1" name="Shape 144"/>
+        <p:cNvGrpSpPr/>
+        <p:nvPr/>
+      </p:nvGrpSpPr>
+      <p:grpSpPr>
+        <a:xfrm>
+          <a:off x="0" y="0"/>
+          <a:ext cx="0" cy="0"/>
+          <a:chOff x="0" y="0"/>
+          <a:chExt cx="0" cy="0"/>
+        </a:xfrm>
+      </p:grpSpPr>
+      <p:sp>
+        <p:nvSpPr>
+          <p:cNvPr id="145" name="Google Shape;145;p8"/>
+          <p:cNvSpPr txBox="1"/>
+          <p:nvPr/>
+        </p:nvSpPr>
+        <p:spPr>
+          <a:xfrm>
+            <a:off x="2865521" y="586938"/>
+            <a:ext cx="6460957" cy="923330"/>
+          </a:xfrm>
+          <a:prstGeom prst="rect">
+            <a:avLst/>
+          </a:prstGeom>
+          <a:noFill/>
+          <a:ln>
+            <a:noFill/>
+          </a:ln>
+        </p:spPr>
+        <p:txBody>
+          <a:bodyPr spcFirstLastPara="1" wrap="square" lIns="91425" tIns="45700" rIns="91425" bIns="45700" anchor="t" anchorCtr="0">
+            <a:spAutoFit/>
+          </a:bodyPr>
+          <a:lstStyle/>
+          <a:p>
+            <a:pPr marL="0" marR="0" lvl="0" indent="0" algn="ctr" rtl="0">
+              <a:spcBef>
+                <a:spcPts val="0"/>
+              </a:spcBef>
+              <a:spcAft>
+                <a:spcPts val="0"/>
+              </a:spcAft>
+              <a:buNone/>
+            </a:pPr>
+            <a:r>
+              <a:rPr lang="en-US" sz="5400" dirty="0">
+                <a:solidFill>
+                  <a:schemeClr val="dk1"/>
+                </a:solidFill>
+                <a:latin typeface="Economica"/>
+                <a:ea typeface="Economica"/>
+                <a:cs typeface="Economica"/>
+                <a:sym typeface="Economica"/>
+              </a:rPr>
+              <a:t>Gaussian Noise</a:t>
+            </a:r>
+            <a:endParaRPr dirty="0"/>
+          </a:p>
+        </p:txBody>
+      </p:sp>
+      <p:sp>
+        <p:nvSpPr>
+          <p:cNvPr id="146" name="Google Shape;146;p8"/>
+          <p:cNvSpPr txBox="1"/>
+          <p:nvPr/>
+        </p:nvSpPr>
+        <p:spPr>
+          <a:xfrm>
+            <a:off x="890337" y="1940249"/>
+            <a:ext cx="10016362" cy="1754286"/>
+          </a:xfrm>
+          <a:prstGeom prst="rect">
+            <a:avLst/>
+          </a:prstGeom>
+          <a:noFill/>
+          <a:ln>
+            <a:noFill/>
+          </a:ln>
+        </p:spPr>
+        <p:txBody>
+          <a:bodyPr spcFirstLastPara="1" wrap="square" lIns="91425" tIns="45700" rIns="91425" bIns="45700" anchor="t" anchorCtr="0">
+            <a:spAutoFit/>
+          </a:bodyPr>
+          <a:lstStyle/>
+          <a:p>
+            <a:pPr marL="0" marR="0" lvl="0" indent="0" algn="l" rtl="0">
+              <a:spcBef>
+                <a:spcPts val="0"/>
+              </a:spcBef>
+              <a:spcAft>
+                <a:spcPts val="0"/>
+              </a:spcAft>
+              <a:buNone/>
+            </a:pPr>
+            <a:r>
+              <a:rPr lang="en-US" sz="2000" b="1" dirty="0">
+                <a:solidFill>
+                  <a:schemeClr val="dk1"/>
+                </a:solidFill>
+                <a:latin typeface="Quicksand"/>
+                <a:sym typeface="Quicksand"/>
+              </a:rPr>
+              <a:t>You can use this layer to simply inject noise into the data in the middle of the network.</a:t>
+            </a:r>
+            <a:endParaRPr dirty="0"/>
+          </a:p>
+          <a:p>
+            <a:pPr marL="171450" marR="0" lvl="0" indent="-82550" algn="l" rtl="0">
+              <a:spcBef>
+                <a:spcPts val="0"/>
+              </a:spcBef>
+              <a:spcAft>
+                <a:spcPts val="0"/>
+              </a:spcAft>
+              <a:buClr>
+                <a:schemeClr val="dk1"/>
+              </a:buClr>
+              <a:buSzPts val="1400"/>
+              <a:buFont typeface="Arial"/>
+              <a:buNone/>
+            </a:pPr>
+            <a:endParaRPr sz="1400" dirty="0">
+              <a:solidFill>
+                <a:schemeClr val="dk1"/>
+              </a:solidFill>
+              <a:latin typeface="Quicksand"/>
+              <a:ea typeface="Quicksand"/>
+              <a:cs typeface="Quicksand"/>
+              <a:sym typeface="Quicksand"/>
+            </a:endParaRPr>
+          </a:p>
+          <a:p>
+            <a:pPr marL="628650" marR="0" lvl="1" indent="-171450" algn="l" rtl="0">
+              <a:spcBef>
+                <a:spcPts val="0"/>
+              </a:spcBef>
+              <a:spcAft>
+                <a:spcPts val="0"/>
+              </a:spcAft>
+              <a:buClr>
+                <a:schemeClr val="dk1"/>
+              </a:buClr>
+              <a:buSzPts val="1800"/>
+              <a:buFont typeface="Arial"/>
+              <a:buChar char="•"/>
+            </a:pPr>
+            <a:r>
+              <a:rPr lang="en-US" sz="1800" b="0" i="0" u="none" strike="noStrike" cap="none" dirty="0">
+                <a:solidFill>
+                  <a:schemeClr val="dk1"/>
+                </a:solidFill>
+                <a:latin typeface="Quicksand"/>
+                <a:ea typeface="Quicksand"/>
+                <a:cs typeface="Quicksand"/>
+                <a:sym typeface="Quicksand"/>
+              </a:rPr>
+              <a:t>There are ways to add noise to any model component, including the inputs, weights and activations. </a:t>
+            </a:r>
+            <a:endParaRPr dirty="0"/>
+          </a:p>
+          <a:p>
+            <a:pPr marL="628650" marR="0" lvl="1" indent="-57150" algn="l" rtl="0">
+              <a:spcBef>
+                <a:spcPts val="0"/>
+              </a:spcBef>
+              <a:spcAft>
+                <a:spcPts val="0"/>
+              </a:spcAft>
+              <a:buClr>
+                <a:schemeClr val="dk1"/>
+              </a:buClr>
+              <a:buSzPts val="1800"/>
+              <a:buFont typeface="Arial"/>
+              <a:buNone/>
+            </a:pPr>
+            <a:endParaRPr sz="1800" b="0" i="0" u="none" strike="noStrike" cap="none" dirty="0">
+              <a:solidFill>
+                <a:schemeClr val="dk1"/>
+              </a:solidFill>
+              <a:latin typeface="Quicksand"/>
+              <a:ea typeface="Quicksand"/>
+              <a:cs typeface="Quicksand"/>
+              <a:sym typeface="Quicksand"/>
+            </a:endParaRPr>
+          </a:p>
+        </p:txBody>
+      </p:sp>
+      <p:pic>
+        <p:nvPicPr>
+          <p:cNvPr id="147" name="Google Shape;147;p8" descr="Noise Vector Art, Icons, and Graphics for Free Download"/>
+          <p:cNvPicPr preferRelativeResize="0"/>
+          <p:nvPr/>
+        </p:nvPicPr>
+        <p:blipFill rotWithShape="1">
+          <a:blip r:embed="rId3">
+            <a:alphaModFix/>
+          </a:blip>
+          <a:srcRect/>
+          <a:stretch/>
+        </p:blipFill>
+        <p:spPr>
+          <a:xfrm>
+            <a:off x="3886199" y="3731062"/>
+            <a:ext cx="4419600" cy="2540000"/>
+          </a:xfrm>
+          <a:prstGeom prst="rect">
+            <a:avLst/>
+          </a:prstGeom>
+          <a:noFill/>
+          <a:ln>
+            <a:noFill/>
+          </a:ln>
+        </p:spPr>
+      </p:pic>
+    </p:spTree>
+  </p:cSld>
+  <p:clrMapOvr>
+    <a:masterClrMapping/>
+  </p:clrMapOvr>
+</p:sld>
+</file>
+
+<file path=ppt/slides/slide13.xml><?xml version="1.0" encoding="utf-8"?>
+<p:sld xmlns:a="http://schemas.openxmlformats.org/drawingml/2006/main" xmlns:r="http://schemas.openxmlformats.org/officeDocument/2006/relationships" xmlns:p="http://schemas.openxmlformats.org/presentationml/2006/main">
+  <p:cSld>
+    <p:spTree>
+      <p:nvGrpSpPr>
+        <p:cNvPr id="1" name="Shape 151"/>
+        <p:cNvGrpSpPr/>
+        <p:nvPr/>
+      </p:nvGrpSpPr>
+      <p:grpSpPr>
+        <a:xfrm>
+          <a:off x="0" y="0"/>
+          <a:ext cx="0" cy="0"/>
+          <a:chOff x="0" y="0"/>
+          <a:chExt cx="0" cy="0"/>
+        </a:xfrm>
+      </p:grpSpPr>
+      <p:sp>
+        <p:nvSpPr>
+          <p:cNvPr id="152" name="Google Shape;152;p9"/>
+          <p:cNvSpPr txBox="1"/>
+          <p:nvPr/>
+        </p:nvSpPr>
+        <p:spPr>
+          <a:xfrm>
+            <a:off x="593075" y="516803"/>
+            <a:ext cx="11005850" cy="923289"/>
+          </a:xfrm>
+          <a:prstGeom prst="rect">
+            <a:avLst/>
+          </a:prstGeom>
+          <a:noFill/>
+          <a:ln>
+            <a:noFill/>
+          </a:ln>
+        </p:spPr>
+        <p:txBody>
+          <a:bodyPr spcFirstLastPara="1" wrap="square" lIns="91425" tIns="45700" rIns="91425" bIns="45700" anchor="t" anchorCtr="0">
+            <a:spAutoFit/>
+          </a:bodyPr>
+          <a:lstStyle/>
+          <a:p>
+            <a:pPr marL="0" marR="0" lvl="0" indent="0" algn="ctr" rtl="0">
+              <a:spcBef>
+                <a:spcPts val="0"/>
+              </a:spcBef>
+              <a:spcAft>
+                <a:spcPts val="0"/>
+              </a:spcAft>
+              <a:buNone/>
+            </a:pPr>
+            <a:r>
+              <a:rPr lang="en-US" sz="5400" dirty="0">
+                <a:solidFill>
+                  <a:schemeClr val="dk1"/>
+                </a:solidFill>
+                <a:latin typeface="Economica"/>
+                <a:ea typeface="Economica"/>
+                <a:cs typeface="Economica"/>
+                <a:sym typeface="Economica"/>
+              </a:rPr>
+              <a:t>Get More Data (Idiosyncrasies Play Lesser Role)!</a:t>
+            </a:r>
+            <a:endParaRPr dirty="0"/>
+          </a:p>
+        </p:txBody>
+      </p:sp>
+      <p:sp>
+        <p:nvSpPr>
+          <p:cNvPr id="153" name="Google Shape;153;p9"/>
+          <p:cNvSpPr txBox="1"/>
+          <p:nvPr/>
+        </p:nvSpPr>
+        <p:spPr>
+          <a:xfrm>
+            <a:off x="890337" y="1940249"/>
+            <a:ext cx="10016362" cy="2200562"/>
+          </a:xfrm>
+          <a:prstGeom prst="rect">
+            <a:avLst/>
+          </a:prstGeom>
+          <a:noFill/>
+          <a:ln>
+            <a:noFill/>
+          </a:ln>
+        </p:spPr>
+        <p:txBody>
+          <a:bodyPr spcFirstLastPara="1" wrap="square" lIns="91425" tIns="45700" rIns="91425" bIns="45700" anchor="t" anchorCtr="0">
+            <a:spAutoFit/>
+          </a:bodyPr>
+          <a:lstStyle/>
+          <a:p>
+            <a:pPr marL="0" marR="0" lvl="0" indent="0" algn="l" rtl="0">
+              <a:spcBef>
+                <a:spcPts val="0"/>
+              </a:spcBef>
+              <a:spcAft>
+                <a:spcPts val="0"/>
+              </a:spcAft>
+              <a:buNone/>
+            </a:pPr>
+            <a:r>
+              <a:rPr lang="en-US" sz="1800" b="1" dirty="0">
                 <a:solidFill>
                   <a:schemeClr val="dk1"/>
                 </a:solidFill>
@@ -13463,7 +14641,7 @@
               </a:rPr>
               <a:t>More Training Examples</a:t>
             </a:r>
-            <a:endParaRPr/>
+            <a:endParaRPr dirty="0"/>
           </a:p>
           <a:p>
             <a:pPr marL="0" marR="0" lvl="0" indent="0" algn="l" rtl="0">
@@ -13475,7 +14653,7 @@
               </a:spcAft>
               <a:buNone/>
             </a:pPr>
-            <a:endParaRPr sz="1100" b="1">
+            <a:endParaRPr sz="1100" b="1" dirty="0">
               <a:solidFill>
                 <a:schemeClr val="dk1"/>
               </a:solidFill>
@@ -13501,7 +14679,7 @@
               <a:buChar char="•"/>
             </a:pPr>
             <a:r>
-              <a:rPr lang="en-US" sz="1800" b="0" i="0" u="none" strike="noStrike" cap="none">
+              <a:rPr lang="en-US" sz="1800" b="0" i="0" u="none" strike="noStrike" cap="none" dirty="0">
                 <a:solidFill>
                   <a:schemeClr val="dk1"/>
                 </a:solidFill>
@@ -13510,27 +14688,28 @@
                 <a:cs typeface="Quicksand"/>
                 <a:sym typeface="Quicksand"/>
               </a:rPr>
-              <a:t>Means you can have a bigger training data-set, which will presumably contain more information for the model to extract. </a:t>
+              <a:t>Means you can have a bigger training data-set, which will presumably contain more information for the model to extract</a:t>
             </a:r>
-            <a:endParaRPr/>
-          </a:p>
-          <a:p>
-            <a:pPr marL="742950" marR="0" lvl="1" indent="-285750" algn="l" rtl="0">
-              <a:spcBef>
-                <a:spcPts val="0"/>
-              </a:spcBef>
-              <a:spcAft>
-                <a:spcPts val="0"/>
-              </a:spcAft>
-              <a:buClr>
-                <a:schemeClr val="dk1"/>
-              </a:buClr>
-              <a:buSzPts val="1800"/>
-              <a:buFont typeface="Arial"/>
-              <a:buChar char="•"/>
-            </a:pPr>
             <a:r>
-              <a:rPr lang="en-US" sz="1800" b="0" i="0" u="none" strike="noStrike" cap="none">
+              <a:rPr lang="en-US" sz="1800" dirty="0">
+                <a:solidFill>
+                  <a:schemeClr val="dk1"/>
+                </a:solidFill>
+                <a:latin typeface="Quicksand"/>
+                <a:ea typeface="Quicksand"/>
+                <a:cs typeface="Quicksand"/>
+                <a:sym typeface="Quicksand"/>
+              </a:rPr>
+              <a:t> and any given noise players a weaker role.</a:t>
+            </a:r>
+            <a:r>
+              <a:rPr lang="en-US" dirty="0">
+                <a:ea typeface="Quicksand"/>
+              </a:rPr>
+              <a:t> </a:t>
+            </a:r>
+            <a:r>
+              <a:rPr lang="en-US" sz="1800" b="0" i="0" u="none" strike="noStrike" cap="none" dirty="0">
                 <a:solidFill>
                   <a:schemeClr val="dk1"/>
                 </a:solidFill>
@@ -13541,7 +14720,7 @@
               </a:rPr>
               <a:t>This is the approach that often yields the best marginal returns, though it can also be most costly. </a:t>
             </a:r>
-            <a:endParaRPr/>
+            <a:endParaRPr dirty="0"/>
           </a:p>
           <a:p>
             <a:pPr marL="742950" marR="0" lvl="1" indent="-171450" algn="l" rtl="0">
@@ -13558,7 +14737,7 @@
               <a:buFont typeface="Arial"/>
               <a:buNone/>
             </a:pPr>
-            <a:endParaRPr sz="1800" b="0" i="0" u="none" strike="noStrike" cap="none">
+            <a:endParaRPr sz="1800" b="0" i="0" u="none" strike="noStrike" cap="none" dirty="0">
               <a:solidFill>
                 <a:schemeClr val="dk1"/>
               </a:solidFill>
@@ -13583,7 +14762,7 @@
               <a:buFont typeface="Arial"/>
               <a:buNone/>
             </a:pPr>
-            <a:endParaRPr sz="1800" b="0" i="0" u="none" strike="noStrike" cap="none">
+            <a:endParaRPr sz="1800" b="0" i="0" u="none" strike="noStrike" cap="none" dirty="0">
               <a:solidFill>
                 <a:schemeClr val="dk1"/>
               </a:solidFill>
@@ -13610,7 +14789,7 @@
         </p:blipFill>
         <p:spPr>
           <a:xfrm>
-            <a:off x="3778170" y="3863853"/>
+            <a:off x="3778170" y="3955805"/>
             <a:ext cx="4240696" cy="2385392"/>
           </a:xfrm>
           <a:prstGeom prst="rect">
@@ -13637,7 +14816,7 @@
 </p:sld>
 </file>
 
-<file path=ppt/slides/slide11.xml><?xml version="1.0" encoding="utf-8"?>
+<file path=ppt/slides/slide14.xml><?xml version="1.0" encoding="utf-8"?>
 <p:sld xmlns:a="http://schemas.openxmlformats.org/drawingml/2006/main" xmlns:r="http://schemas.openxmlformats.org/officeDocument/2006/relationships" xmlns:p="http://schemas.openxmlformats.org/presentationml/2006/main">
   <p:cSld>
     <p:spTree>
@@ -13712,7 +14891,7 @@
         </p:nvSpPr>
         <p:spPr>
           <a:xfrm>
-            <a:off x="890336" y="1754719"/>
+            <a:off x="879319" y="1577510"/>
             <a:ext cx="10820593" cy="4693552"/>
           </a:xfrm>
           <a:prstGeom prst="rect">
@@ -14309,7 +15488,7 @@
 </p:sld>
 </file>
 
-<file path=ppt/slides/slide12.xml><?xml version="1.0" encoding="utf-8"?>
+<file path=ppt/slides/slide15.xml><?xml version="1.0" encoding="utf-8"?>
 <p:sld xmlns:a="http://schemas.openxmlformats.org/drawingml/2006/main" xmlns:r="http://schemas.openxmlformats.org/officeDocument/2006/relationships" xmlns:p="http://schemas.openxmlformats.org/presentationml/2006/main">
   <p:cSld>
     <p:spTree>
@@ -14358,7 +15537,7 @@
             </a:pPr>
             <a:fld id="{00000000-1234-1234-1234-123412341234}" type="slidenum">
               <a:rPr lang="en-US" smtClean="0"/>
-              <a:t>12</a:t>
+              <a:t>15</a:t>
             </a:fld>
             <a:endParaRPr lang="en-US"/>
           </a:p>
@@ -14854,7 +16033,7 @@
 </p:sld>
 </file>
 
-<file path=ppt/slides/slide13.xml><?xml version="1.0" encoding="utf-8"?>
+<file path=ppt/slides/slide16.xml><?xml version="1.0" encoding="utf-8"?>
 <p:sld xmlns:a="http://schemas.openxmlformats.org/drawingml/2006/main" xmlns:r="http://schemas.openxmlformats.org/officeDocument/2006/relationships" xmlns:p="http://schemas.openxmlformats.org/presentationml/2006/main">
   <p:cSld>
     <p:spTree>
@@ -14923,7 +16102,7 @@
             </a:pPr>
             <a:fld id="{00000000-1234-1234-1234-123412341234}" type="slidenum">
               <a:rPr lang="en-US"/>
-              <a:t>13</a:t>
+              <a:t>16</a:t>
             </a:fld>
             <a:endParaRPr/>
           </a:p>
@@ -15424,7 +16603,7 @@
 </p:sld>
 </file>
 
-<file path=ppt/slides/slide14.xml><?xml version="1.0" encoding="utf-8"?>
+<file path=ppt/slides/slide17.xml><?xml version="1.0" encoding="utf-8"?>
 <p:sld xmlns:a="http://schemas.openxmlformats.org/drawingml/2006/main" xmlns:r="http://schemas.openxmlformats.org/officeDocument/2006/relationships" xmlns:p="http://schemas.openxmlformats.org/presentationml/2006/main">
   <p:cSld>
     <p:spTree>
@@ -15481,7 +16660,7 @@
             </a:pPr>
             <a:fld id="{00000000-1234-1234-1234-123412341234}" type="slidenum">
               <a:rPr lang="en-US"/>
-              <a:t>14</a:t>
+              <a:t>17</a:t>
             </a:fld>
             <a:endParaRPr/>
           </a:p>
@@ -16202,7 +17381,7 @@
         <p:spPr>
           <a:xfrm>
             <a:off x="890337" y="1940249"/>
-            <a:ext cx="10016362" cy="1169551"/>
+            <a:ext cx="10016362" cy="1446509"/>
           </a:xfrm>
           <a:prstGeom prst="rect">
             <a:avLst/>
@@ -16228,7 +17407,7 @@
               <a:buNone/>
             </a:pPr>
             <a:r>
-              <a:rPr lang="en-US" sz="2000" b="1">
+              <a:rPr lang="en-US" sz="2000" b="1" dirty="0">
                 <a:solidFill>
                   <a:schemeClr val="dk1"/>
                 </a:solidFill>
@@ -16239,7 +17418,7 @@
               </a:rPr>
               <a:t>Monitoring Validation Performance and then Manually Limiting Epoch Count</a:t>
             </a:r>
-            <a:endParaRPr/>
+            <a:endParaRPr dirty="0"/>
           </a:p>
           <a:p>
             <a:pPr marL="171450" marR="0" lvl="0" indent="-82550" algn="l" rtl="0">
@@ -16256,7 +17435,7 @@
               <a:buFont typeface="Arial"/>
               <a:buNone/>
             </a:pPr>
-            <a:endParaRPr sz="1400">
+            <a:endParaRPr sz="1400" dirty="0">
               <a:solidFill>
                 <a:schemeClr val="dk1"/>
               </a:solidFill>
@@ -16282,7 +17461,7 @@
               <a:buChar char="•"/>
             </a:pPr>
             <a:r>
-              <a:rPr lang="en-US" sz="1800" b="0" i="0" u="none" strike="noStrike" cap="none">
+              <a:rPr lang="en-US" sz="1800" b="0" i="0" u="none" strike="noStrike" cap="none" dirty="0">
                 <a:solidFill>
                   <a:schemeClr val="dk1"/>
                 </a:solidFill>
@@ -16291,9 +17470,45 @@
                 <a:cs typeface="Quicksand"/>
                 <a:sym typeface="Quicksand"/>
               </a:rPr>
-              <a:t>This is the sole approach we have been taking thus far.</a:t>
+              <a:t>This is the sole approach we have been taking thus far. Can implement automatically using </a:t>
             </a:r>
-            <a:endParaRPr/>
+            <a:r>
+              <a:rPr lang="en-US" sz="1800" dirty="0" err="1">
+                <a:solidFill>
+                  <a:schemeClr val="dk1"/>
+                </a:solidFill>
+                <a:latin typeface="Quicksand"/>
+                <a:ea typeface="Quicksand"/>
+                <a:cs typeface="Quicksand"/>
+                <a:sym typeface="Quicksand"/>
+              </a:rPr>
+              <a:t>K</a:t>
+            </a:r>
+            <a:r>
+              <a:rPr lang="en-US" sz="1800" b="0" i="0" u="none" strike="noStrike" cap="none" dirty="0" err="1">
+                <a:solidFill>
+                  <a:schemeClr val="dk1"/>
+                </a:solidFill>
+                <a:latin typeface="Quicksand"/>
+                <a:ea typeface="Quicksand"/>
+                <a:cs typeface="Quicksand"/>
+                <a:sym typeface="Quicksand"/>
+              </a:rPr>
+              <a:t>eras</a:t>
+            </a:r>
+            <a:r>
+              <a:rPr lang="en-US" sz="1800" b="0" i="0" u="none" strike="noStrike" cap="none" dirty="0">
+                <a:solidFill>
+                  <a:schemeClr val="dk1"/>
+                </a:solidFill>
+                <a:latin typeface="Quicksand"/>
+                <a:ea typeface="Quicksand"/>
+                <a:cs typeface="Quicksand"/>
+                <a:sym typeface="Quicksand"/>
+              </a:rPr>
+              <a:t> callbacks (more on this later). </a:t>
+            </a:r>
+            <a:endParaRPr dirty="0"/>
           </a:p>
           <a:p>
             <a:pPr marL="628650" marR="0" lvl="1" indent="-57150" algn="l" rtl="0">
@@ -16310,7 +17525,7 @@
               <a:buFont typeface="Arial"/>
               <a:buNone/>
             </a:pPr>
-            <a:endParaRPr sz="1800" b="0" i="0" u="none" strike="noStrike" cap="none">
+            <a:endParaRPr sz="1800" b="0" i="0" u="none" strike="noStrike" cap="none" dirty="0">
               <a:solidFill>
                 <a:schemeClr val="dk1"/>
               </a:solidFill>
@@ -16343,7 +17558,7 @@
         </p:blipFill>
         <p:spPr>
           <a:xfrm>
-            <a:off x="3617762" y="3109800"/>
+            <a:off x="3617762" y="3386758"/>
             <a:ext cx="4956473" cy="3297359"/>
           </a:xfrm>
           <a:prstGeom prst="rect">
@@ -16369,7 +17584,7 @@
         </p:nvCxnSpPr>
         <p:spPr>
           <a:xfrm>
-            <a:off x="5883965" y="3109800"/>
+            <a:off x="5898518" y="3386758"/>
             <a:ext cx="0" cy="2880183"/>
           </a:xfrm>
           <a:prstGeom prst="straightConnector1">
@@ -16689,9 +17904,23 @@
 <file path=ppt/slides/slide6.xml><?xml version="1.0" encoding="utf-8"?>
 <p:sld xmlns:a="http://schemas.openxmlformats.org/drawingml/2006/main" xmlns:r="http://schemas.openxmlformats.org/officeDocument/2006/relationships" xmlns:p="http://schemas.openxmlformats.org/presentationml/2006/main">
   <p:cSld>
+    <p:bg>
+      <p:bgPr>
+        <a:solidFill>
+          <a:srgbClr val="FFFFFF"/>
+        </a:solidFill>
+        <a:effectLst/>
+      </p:bgPr>
+    </p:bg>
     <p:spTree>
       <p:nvGrpSpPr>
-        <p:cNvPr id="1" name="Shape 123"/>
+        <p:cNvPr id="1" name="Shape 115">
+          <a:extLst>
+            <a:ext uri="{FF2B5EF4-FFF2-40B4-BE49-F238E27FC236}">
+              <a16:creationId xmlns:a16="http://schemas.microsoft.com/office/drawing/2014/main" id="{000D4FD5-4C24-E249-1037-8F360AC6F37D}"/>
+            </a:ext>
+          </a:extLst>
+        </p:cNvPr>
         <p:cNvGrpSpPr/>
         <p:nvPr/>
       </p:nvGrpSpPr>
@@ -16705,7 +17934,152 @@
       </p:grpSpPr>
       <p:sp>
         <p:nvSpPr>
-          <p:cNvPr id="124" name="Google Shape;124;p5"/>
+          <p:cNvPr id="116" name="Google Shape;116;p4">
+            <a:extLst>
+              <a:ext uri="{FF2B5EF4-FFF2-40B4-BE49-F238E27FC236}">
+                <a16:creationId xmlns:a16="http://schemas.microsoft.com/office/drawing/2014/main" id="{DF230677-0F72-F89B-FC10-F28CA86F437A}"/>
+              </a:ext>
+            </a:extLst>
+          </p:cNvPr>
+          <p:cNvSpPr txBox="1"/>
+          <p:nvPr/>
+        </p:nvSpPr>
+        <p:spPr>
+          <a:xfrm>
+            <a:off x="330507" y="2327603"/>
+            <a:ext cx="8946962" cy="1754286"/>
+          </a:xfrm>
+          <a:prstGeom prst="rect">
+            <a:avLst/>
+          </a:prstGeom>
+          <a:noFill/>
+          <a:ln>
+            <a:noFill/>
+          </a:ln>
+        </p:spPr>
+        <p:txBody>
+          <a:bodyPr spcFirstLastPara="1" wrap="square" lIns="91425" tIns="45700" rIns="91425" bIns="45700" anchor="t" anchorCtr="0">
+            <a:spAutoFit/>
+          </a:bodyPr>
+          <a:lstStyle/>
+          <a:p>
+            <a:pPr marL="0" marR="0" lvl="0" indent="0" rtl="0">
+              <a:spcBef>
+                <a:spcPts val="0"/>
+              </a:spcBef>
+              <a:spcAft>
+                <a:spcPts val="0"/>
+              </a:spcAft>
+              <a:buNone/>
+            </a:pPr>
+            <a:r>
+              <a:rPr lang="en-US" sz="5400" dirty="0">
+                <a:solidFill>
+                  <a:schemeClr val="dk1"/>
+                </a:solidFill>
+                <a:latin typeface="Economica"/>
+                <a:sym typeface="Economica"/>
+              </a:rPr>
+              <a:t>Overfitting Means </a:t>
+            </a:r>
+            <a:br>
+              <a:rPr lang="en-US" sz="5400" dirty="0">
+                <a:solidFill>
+                  <a:schemeClr val="dk1"/>
+                </a:solidFill>
+                <a:latin typeface="Economica"/>
+                <a:sym typeface="Economica"/>
+              </a:rPr>
+            </a:br>
+            <a:r>
+              <a:rPr lang="en-US" sz="5400" dirty="0">
+                <a:solidFill>
+                  <a:schemeClr val="dk1"/>
+                </a:solidFill>
+                <a:latin typeface="Economica"/>
+                <a:sym typeface="Economica"/>
+              </a:rPr>
+              <a:t>Bigger Weights!</a:t>
+            </a:r>
+            <a:endParaRPr dirty="0"/>
+          </a:p>
+        </p:txBody>
+      </p:sp>
+      <p:pic>
+        <p:nvPicPr>
+          <p:cNvPr id="3" name="Picture 2">
+            <a:extLst>
+              <a:ext uri="{FF2B5EF4-FFF2-40B4-BE49-F238E27FC236}">
+                <a16:creationId xmlns:a16="http://schemas.microsoft.com/office/drawing/2014/main" id="{C16B530E-D503-2C9F-7C29-24D4E9CC077E}"/>
+              </a:ext>
+            </a:extLst>
+          </p:cNvPr>
+          <p:cNvPicPr>
+            <a:picLocks noChangeAspect="1"/>
+          </p:cNvPicPr>
+          <p:nvPr/>
+        </p:nvPicPr>
+        <p:blipFill>
+          <a:blip r:embed="rId3"/>
+          <a:stretch>
+            <a:fillRect/>
+          </a:stretch>
+        </p:blipFill>
+        <p:spPr>
+          <a:xfrm>
+            <a:off x="4365892" y="478001"/>
+            <a:ext cx="7662111" cy="5901997"/>
+          </a:xfrm>
+          <a:prstGeom prst="rect">
+            <a:avLst/>
+          </a:prstGeom>
+        </p:spPr>
+      </p:pic>
+    </p:spTree>
+    <p:extLst>
+      <p:ext uri="{BB962C8B-B14F-4D97-AF65-F5344CB8AC3E}">
+        <p14:creationId xmlns:p14="http://schemas.microsoft.com/office/powerpoint/2010/main" val="1603088276"/>
+      </p:ext>
+    </p:extLst>
+  </p:cSld>
+  <p:clrMapOvr>
+    <a:masterClrMapping/>
+  </p:clrMapOvr>
+</p:sld>
+</file>
+
+<file path=ppt/slides/slide7.xml><?xml version="1.0" encoding="utf-8"?>
+<p:sld xmlns:a="http://schemas.openxmlformats.org/drawingml/2006/main" xmlns:r="http://schemas.openxmlformats.org/officeDocument/2006/relationships" xmlns:p="http://schemas.openxmlformats.org/presentationml/2006/main">
+  <p:cSld>
+    <p:spTree>
+      <p:nvGrpSpPr>
+        <p:cNvPr id="1" name="Shape 123">
+          <a:extLst>
+            <a:ext uri="{FF2B5EF4-FFF2-40B4-BE49-F238E27FC236}">
+              <a16:creationId xmlns:a16="http://schemas.microsoft.com/office/drawing/2014/main" id="{67C2E006-2864-0D17-1FC5-2233BCB24273}"/>
+            </a:ext>
+          </a:extLst>
+        </p:cNvPr>
+        <p:cNvGrpSpPr/>
+        <p:nvPr/>
+      </p:nvGrpSpPr>
+      <p:grpSpPr>
+        <a:xfrm>
+          <a:off x="0" y="0"/>
+          <a:ext cx="0" cy="0"/>
+          <a:chOff x="0" y="0"/>
+          <a:chExt cx="0" cy="0"/>
+        </a:xfrm>
+      </p:grpSpPr>
+      <p:sp>
+        <p:nvSpPr>
+          <p:cNvPr id="124" name="Google Shape;124;p5">
+            <a:extLst>
+              <a:ext uri="{FF2B5EF4-FFF2-40B4-BE49-F238E27FC236}">
+                <a16:creationId xmlns:a16="http://schemas.microsoft.com/office/drawing/2014/main" id="{2CBF29F7-E7AB-33D4-F397-845DDC81936F}"/>
+              </a:ext>
+            </a:extLst>
+          </p:cNvPr>
           <p:cNvSpPr txBox="1"/>
           <p:nvPr/>
         </p:nvSpPr>
@@ -16738,7 +18112,7 @@
               <a:buNone/>
             </a:pPr>
             <a:r>
-              <a:rPr lang="en-US" sz="5400">
+              <a:rPr lang="en-US" sz="5400" dirty="0">
                 <a:solidFill>
                   <a:schemeClr val="dk1"/>
                 </a:solidFill>
@@ -16747,22 +18121,28 @@
                 <a:cs typeface="Economica"/>
                 <a:sym typeface="Economica"/>
               </a:rPr>
-              <a:t>Regularizing Weights</a:t>
+              <a:t>Regularization Keeps Weights Small</a:t>
             </a:r>
-            <a:endParaRPr/>
+            <a:endParaRPr dirty="0"/>
           </a:p>
         </p:txBody>
       </p:sp>
       <p:sp>
         <p:nvSpPr>
-          <p:cNvPr id="125" name="Google Shape;125;p5"/>
+          <p:cNvPr id="125" name="Google Shape;125;p5">
+            <a:extLst>
+              <a:ext uri="{FF2B5EF4-FFF2-40B4-BE49-F238E27FC236}">
+                <a16:creationId xmlns:a16="http://schemas.microsoft.com/office/drawing/2014/main" id="{5A9E1D6A-2384-07F2-97E1-E3A8EB2AE099}"/>
+              </a:ext>
+            </a:extLst>
+          </p:cNvPr>
           <p:cNvSpPr txBox="1"/>
           <p:nvPr/>
         </p:nvSpPr>
         <p:spPr>
           <a:xfrm>
             <a:off x="890337" y="1940249"/>
-            <a:ext cx="10016362" cy="1723508"/>
+            <a:ext cx="10016362" cy="1169511"/>
           </a:xfrm>
           <a:prstGeom prst="rect">
             <a:avLst/>
@@ -16851,36 +18231,7 @@
                 <a:cs typeface="Quicksand"/>
                 <a:sym typeface="Quicksand"/>
               </a:rPr>
-              <a:t>Regularizing a layer’s weights means the weights are updated less as their collective magnitude (e.g., sum) gets larger. Both L1 or L2 norms can be used here applied. </a:t>
-            </a:r>
-            <a:endParaRPr dirty="0"/>
-          </a:p>
-          <a:p>
-            <a:pPr marL="628650" marR="0" lvl="1" indent="-171450" algn="l" rtl="0">
-              <a:spcBef>
-                <a:spcPts val="0"/>
-              </a:spcBef>
-              <a:spcAft>
-                <a:spcPts val="0"/>
-              </a:spcAft>
-              <a:buClr>
-                <a:schemeClr val="dk1"/>
-              </a:buClr>
-              <a:buSzPts val="1800"/>
-              <a:buFont typeface="Arial"/>
-              <a:buChar char="•"/>
-            </a:pPr>
-            <a:r>
-              <a:rPr lang="en-US" sz="1800" b="0" i="0" u="none" strike="noStrike" cap="none" dirty="0">
-                <a:solidFill>
-                  <a:schemeClr val="dk1"/>
-                </a:solidFill>
-                <a:latin typeface="Quicksand"/>
-                <a:ea typeface="Quicksand"/>
-                <a:cs typeface="Quicksand"/>
-                <a:sym typeface="Quicksand"/>
-              </a:rPr>
-              <a:t>This approach is typically used to improve the validation performance of smaller networks. </a:t>
+              <a:t>Regularizing a layer’s weights means the model is less inclined to increase big weights. Both L1 or L2 norms can be used here applied. </a:t>
             </a:r>
             <a:endParaRPr dirty="0"/>
           </a:p>
@@ -16888,7 +18239,13 @@
       </p:sp>
       <p:pic>
         <p:nvPicPr>
-          <p:cNvPr id="126" name="Google Shape;126;p5"/>
+          <p:cNvPr id="126" name="Google Shape;126;p5">
+            <a:extLst>
+              <a:ext uri="{FF2B5EF4-FFF2-40B4-BE49-F238E27FC236}">
+                <a16:creationId xmlns:a16="http://schemas.microsoft.com/office/drawing/2014/main" id="{6921ED82-EC8D-680C-B375-70E15321ED5C}"/>
+              </a:ext>
+            </a:extLst>
+          </p:cNvPr>
           <p:cNvPicPr preferRelativeResize="0"/>
           <p:nvPr/>
         </p:nvPicPr>
@@ -16901,7 +18258,7 @@
         </p:blipFill>
         <p:spPr>
           <a:xfrm>
-            <a:off x="3413125" y="3597538"/>
+            <a:off x="3413125" y="3429000"/>
             <a:ext cx="5365750" cy="2899624"/>
           </a:xfrm>
           <a:prstGeom prst="rect">
@@ -16914,6 +18271,11 @@
         </p:spPr>
       </p:pic>
     </p:spTree>
+    <p:extLst>
+      <p:ext uri="{BB962C8B-B14F-4D97-AF65-F5344CB8AC3E}">
+        <p14:creationId xmlns:p14="http://schemas.microsoft.com/office/powerpoint/2010/main" val="222512286"/>
+      </p:ext>
+    </p:extLst>
   </p:cSld>
   <p:clrMapOvr>
     <a:masterClrMapping/>
@@ -16921,7 +18283,466 @@
 </p:sld>
 </file>
 
-<file path=ppt/slides/slide7.xml><?xml version="1.0" encoding="utf-8"?>
+<file path=ppt/slides/slide8.xml><?xml version="1.0" encoding="utf-8"?>
+<p:sld xmlns:a="http://schemas.openxmlformats.org/drawingml/2006/main" xmlns:r="http://schemas.openxmlformats.org/officeDocument/2006/relationships" xmlns:p="http://schemas.openxmlformats.org/presentationml/2006/main">
+  <p:cSld>
+    <p:bg>
+      <p:bgPr>
+        <a:solidFill>
+          <a:srgbClr val="FFFFFF"/>
+        </a:solidFill>
+        <a:effectLst/>
+      </p:bgPr>
+    </p:bg>
+    <p:spTree>
+      <p:nvGrpSpPr>
+        <p:cNvPr id="1" name="Shape 115">
+          <a:extLst>
+            <a:ext uri="{FF2B5EF4-FFF2-40B4-BE49-F238E27FC236}">
+              <a16:creationId xmlns:a16="http://schemas.microsoft.com/office/drawing/2014/main" id="{E395BEC7-F591-3E1D-BA3E-6B9CEE7392DF}"/>
+            </a:ext>
+          </a:extLst>
+        </p:cNvPr>
+        <p:cNvGrpSpPr/>
+        <p:nvPr/>
+      </p:nvGrpSpPr>
+      <p:grpSpPr>
+        <a:xfrm>
+          <a:off x="0" y="0"/>
+          <a:ext cx="0" cy="0"/>
+          <a:chOff x="0" y="0"/>
+          <a:chExt cx="0" cy="0"/>
+        </a:xfrm>
+      </p:grpSpPr>
+      <p:sp>
+        <p:nvSpPr>
+          <p:cNvPr id="116" name="Google Shape;116;p4">
+            <a:extLst>
+              <a:ext uri="{FF2B5EF4-FFF2-40B4-BE49-F238E27FC236}">
+                <a16:creationId xmlns:a16="http://schemas.microsoft.com/office/drawing/2014/main" id="{DFFFC86E-AEEF-9120-134F-9A468A490615}"/>
+              </a:ext>
+            </a:extLst>
+          </p:cNvPr>
+          <p:cNvSpPr txBox="1"/>
+          <p:nvPr/>
+        </p:nvSpPr>
+        <p:spPr>
+          <a:xfrm>
+            <a:off x="2865521" y="586938"/>
+            <a:ext cx="6460957" cy="923330"/>
+          </a:xfrm>
+          <a:prstGeom prst="rect">
+            <a:avLst/>
+          </a:prstGeom>
+          <a:noFill/>
+          <a:ln>
+            <a:noFill/>
+          </a:ln>
+        </p:spPr>
+        <p:txBody>
+          <a:bodyPr spcFirstLastPara="1" wrap="square" lIns="91425" tIns="45700" rIns="91425" bIns="45700" anchor="t" anchorCtr="0">
+            <a:spAutoFit/>
+          </a:bodyPr>
+          <a:lstStyle/>
+          <a:p>
+            <a:pPr marL="0" marR="0" lvl="0" indent="0" algn="ctr" rtl="0">
+              <a:spcBef>
+                <a:spcPts val="0"/>
+              </a:spcBef>
+              <a:spcAft>
+                <a:spcPts val="0"/>
+              </a:spcAft>
+              <a:buNone/>
+            </a:pPr>
+            <a:r>
+              <a:rPr lang="en-US" sz="5400" dirty="0">
+                <a:solidFill>
+                  <a:schemeClr val="dk1"/>
+                </a:solidFill>
+                <a:latin typeface="Economica"/>
+                <a:ea typeface="Economica"/>
+                <a:cs typeface="Economica"/>
+                <a:sym typeface="Economica"/>
+              </a:rPr>
+              <a:t>What ‘Enables’ Overfitting?</a:t>
+            </a:r>
+            <a:endParaRPr dirty="0"/>
+          </a:p>
+        </p:txBody>
+      </p:sp>
+      <p:sp>
+        <p:nvSpPr>
+          <p:cNvPr id="117" name="Google Shape;117;p4">
+            <a:extLst>
+              <a:ext uri="{FF2B5EF4-FFF2-40B4-BE49-F238E27FC236}">
+                <a16:creationId xmlns:a16="http://schemas.microsoft.com/office/drawing/2014/main" id="{83F47397-18E3-8E50-A1F7-5D929E9718D1}"/>
+              </a:ext>
+            </a:extLst>
+          </p:cNvPr>
+          <p:cNvSpPr txBox="1"/>
+          <p:nvPr/>
+        </p:nvSpPr>
+        <p:spPr>
+          <a:xfrm>
+            <a:off x="890337" y="1940249"/>
+            <a:ext cx="5345209" cy="1815841"/>
+          </a:xfrm>
+          <a:prstGeom prst="rect">
+            <a:avLst/>
+          </a:prstGeom>
+          <a:noFill/>
+          <a:ln>
+            <a:noFill/>
+          </a:ln>
+        </p:spPr>
+        <p:txBody>
+          <a:bodyPr spcFirstLastPara="1" wrap="square" lIns="91425" tIns="45700" rIns="91425" bIns="45700" anchor="t" anchorCtr="0">
+            <a:spAutoFit/>
+          </a:bodyPr>
+          <a:lstStyle/>
+          <a:p>
+            <a:pPr marL="0" marR="0" lvl="0" indent="0" algn="l" rtl="0">
+              <a:spcBef>
+                <a:spcPts val="0"/>
+              </a:spcBef>
+              <a:spcAft>
+                <a:spcPts val="0"/>
+              </a:spcAft>
+              <a:buNone/>
+            </a:pPr>
+            <a:r>
+              <a:rPr lang="en-US" sz="2000" b="1" dirty="0">
+                <a:solidFill>
+                  <a:schemeClr val="dk1"/>
+                </a:solidFill>
+                <a:latin typeface="Quicksand"/>
+                <a:ea typeface="Quicksand"/>
+                <a:cs typeface="Quicksand"/>
+                <a:sym typeface="Quicksand"/>
+              </a:rPr>
+              <a:t>Idiosyncratic Noise in Data</a:t>
+            </a:r>
+            <a:endParaRPr dirty="0"/>
+          </a:p>
+          <a:p>
+            <a:pPr marL="0" marR="0" lvl="0" indent="0" algn="l" rtl="0">
+              <a:spcBef>
+                <a:spcPts val="0"/>
+              </a:spcBef>
+              <a:spcAft>
+                <a:spcPts val="0"/>
+              </a:spcAft>
+              <a:buNone/>
+            </a:pPr>
+            <a:endParaRPr sz="2000" b="1" dirty="0">
+              <a:solidFill>
+                <a:schemeClr val="dk1"/>
+              </a:solidFill>
+              <a:latin typeface="Quicksand"/>
+              <a:ea typeface="Quicksand"/>
+              <a:cs typeface="Quicksand"/>
+              <a:sym typeface="Quicksand"/>
+            </a:endParaRPr>
+          </a:p>
+          <a:p>
+            <a:pPr marL="171450" marR="0" lvl="0" indent="-171450" algn="l" rtl="0">
+              <a:spcBef>
+                <a:spcPts val="0"/>
+              </a:spcBef>
+              <a:spcAft>
+                <a:spcPts val="0"/>
+              </a:spcAft>
+              <a:buClr>
+                <a:schemeClr val="dk1"/>
+              </a:buClr>
+              <a:buSzPts val="1800"/>
+              <a:buFont typeface="Arial"/>
+              <a:buChar char="•"/>
+            </a:pPr>
+            <a:r>
+              <a:rPr lang="en-US" sz="1800" dirty="0">
+                <a:solidFill>
+                  <a:schemeClr val="dk1"/>
+                </a:solidFill>
+                <a:latin typeface="Quicksand"/>
+                <a:ea typeface="Quicksand"/>
+                <a:cs typeface="Quicksand"/>
+                <a:sym typeface="Quicksand"/>
+              </a:rPr>
+              <a:t>Over-fitting is driven by the network ‘latching on’ to idiosyncrasies in the training data that happen to associate with certain outcomes.</a:t>
+            </a:r>
+          </a:p>
+          <a:p>
+            <a:pPr marL="171450" marR="0" lvl="0" indent="-171450" algn="l" rtl="0">
+              <a:spcBef>
+                <a:spcPts val="0"/>
+              </a:spcBef>
+              <a:spcAft>
+                <a:spcPts val="0"/>
+              </a:spcAft>
+              <a:buClr>
+                <a:schemeClr val="dk1"/>
+              </a:buClr>
+              <a:buSzPts val="1800"/>
+              <a:buFont typeface="Arial"/>
+              <a:buChar char="•"/>
+            </a:pPr>
+            <a:endParaRPr lang="en-US" sz="1800" dirty="0">
+              <a:solidFill>
+                <a:schemeClr val="dk1"/>
+              </a:solidFill>
+              <a:latin typeface="Quicksand"/>
+              <a:ea typeface="Quicksand"/>
+              <a:cs typeface="Quicksand"/>
+              <a:sym typeface="Quicksand"/>
+            </a:endParaRPr>
+          </a:p>
+        </p:txBody>
+      </p:sp>
+      <p:pic>
+        <p:nvPicPr>
+          <p:cNvPr id="2" name="Google Shape;118;p4" descr="Overfitting - Wikipedia">
+            <a:extLst>
+              <a:ext uri="{FF2B5EF4-FFF2-40B4-BE49-F238E27FC236}">
+                <a16:creationId xmlns:a16="http://schemas.microsoft.com/office/drawing/2014/main" id="{8B29A81D-C395-1E10-7D20-7ECE4DB0462E}"/>
+              </a:ext>
+            </a:extLst>
+          </p:cNvPr>
+          <p:cNvPicPr preferRelativeResize="0"/>
+          <p:nvPr/>
+        </p:nvPicPr>
+        <p:blipFill rotWithShape="1">
+          <a:blip r:embed="rId3">
+            <a:alphaModFix/>
+          </a:blip>
+          <a:srcRect/>
+          <a:stretch/>
+        </p:blipFill>
+        <p:spPr>
+          <a:xfrm>
+            <a:off x="6960559" y="2060225"/>
+            <a:ext cx="4025199" cy="4025199"/>
+          </a:xfrm>
+          <a:prstGeom prst="rect">
+            <a:avLst/>
+          </a:prstGeom>
+          <a:noFill/>
+          <a:ln>
+            <a:noFill/>
+          </a:ln>
+        </p:spPr>
+      </p:pic>
+      <p:sp>
+        <p:nvSpPr>
+          <p:cNvPr id="4" name="TextBox 3">
+            <a:extLst>
+              <a:ext uri="{FF2B5EF4-FFF2-40B4-BE49-F238E27FC236}">
+                <a16:creationId xmlns:a16="http://schemas.microsoft.com/office/drawing/2014/main" id="{9BA4B0EF-9C40-496F-05F5-01595FCA02E3}"/>
+              </a:ext>
+            </a:extLst>
+          </p:cNvPr>
+          <p:cNvSpPr txBox="1"/>
+          <p:nvPr/>
+        </p:nvSpPr>
+        <p:spPr>
+          <a:xfrm>
+            <a:off x="890337" y="3593261"/>
+            <a:ext cx="5205663" cy="2031325"/>
+          </a:xfrm>
+          <a:prstGeom prst="rect">
+            <a:avLst/>
+          </a:prstGeom>
+          <a:noFill/>
+        </p:spPr>
+        <p:txBody>
+          <a:bodyPr wrap="square">
+            <a:spAutoFit/>
+          </a:bodyPr>
+          <a:lstStyle/>
+          <a:p>
+            <a:pPr marL="171450" marR="0" lvl="0" indent="-171450" algn="l" rtl="0">
+              <a:spcBef>
+                <a:spcPts val="0"/>
+              </a:spcBef>
+              <a:spcAft>
+                <a:spcPts val="0"/>
+              </a:spcAft>
+              <a:buClr>
+                <a:schemeClr val="dk1"/>
+              </a:buClr>
+              <a:buSzPts val="1800"/>
+              <a:buFont typeface="Arial"/>
+              <a:buChar char="•"/>
+            </a:pPr>
+            <a:r>
+              <a:rPr lang="en-US" sz="1800" dirty="0">
+                <a:solidFill>
+                  <a:schemeClr val="dk1"/>
+                </a:solidFill>
+                <a:latin typeface="Quicksand"/>
+                <a:ea typeface="Quicksand"/>
+                <a:cs typeface="Quicksand"/>
+                <a:sym typeface="Quicksand"/>
+              </a:rPr>
+              <a:t>To solve this, in training, we can add noise / perturbations to the training data, to prevent it from latching onto those idiosyncrasies, so it sticks to more general rules.</a:t>
+            </a:r>
+          </a:p>
+          <a:p>
+            <a:pPr marL="171450" marR="0" lvl="0" indent="-171450" algn="l" rtl="0">
+              <a:spcBef>
+                <a:spcPts val="0"/>
+              </a:spcBef>
+              <a:spcAft>
+                <a:spcPts val="0"/>
+              </a:spcAft>
+              <a:buClr>
+                <a:schemeClr val="dk1"/>
+              </a:buClr>
+              <a:buSzPts val="1800"/>
+              <a:buFont typeface="Arial"/>
+              <a:buChar char="•"/>
+            </a:pPr>
+            <a:endParaRPr lang="en-US" sz="1800" dirty="0">
+              <a:solidFill>
+                <a:schemeClr val="dk1"/>
+              </a:solidFill>
+              <a:latin typeface="Quicksand"/>
+              <a:ea typeface="Quicksand"/>
+              <a:cs typeface="Quicksand"/>
+              <a:sym typeface="Quicksand"/>
+            </a:endParaRPr>
+          </a:p>
+          <a:p>
+            <a:pPr marL="171450" marR="0" lvl="0" indent="-171450" algn="l" rtl="0">
+              <a:spcBef>
+                <a:spcPts val="0"/>
+              </a:spcBef>
+              <a:spcAft>
+                <a:spcPts val="0"/>
+              </a:spcAft>
+              <a:buClr>
+                <a:schemeClr val="dk1"/>
+              </a:buClr>
+              <a:buSzPts val="1800"/>
+              <a:buFont typeface="Arial"/>
+              <a:buChar char="•"/>
+            </a:pPr>
+            <a:r>
+              <a:rPr lang="en-US" sz="1800" dirty="0">
+                <a:solidFill>
+                  <a:schemeClr val="dk1"/>
+                </a:solidFill>
+                <a:latin typeface="Quicksand"/>
+                <a:ea typeface="Quicksand"/>
+                <a:cs typeface="Quicksand"/>
+                <a:sym typeface="Quicksand"/>
+              </a:rPr>
+              <a:t>Note: with too much noise, learning general rules gets hard!</a:t>
+            </a:r>
+            <a:endParaRPr lang="en-US" sz="1800" b="0" i="0" u="none" strike="noStrike" cap="none" dirty="0">
+              <a:solidFill>
+                <a:schemeClr val="dk1"/>
+              </a:solidFill>
+              <a:latin typeface="Quicksand"/>
+              <a:ea typeface="Quicksand"/>
+              <a:cs typeface="Quicksand"/>
+              <a:sym typeface="Quicksand"/>
+            </a:endParaRPr>
+          </a:p>
+        </p:txBody>
+      </p:sp>
+    </p:spTree>
+    <p:extLst>
+      <p:ext uri="{BB962C8B-B14F-4D97-AF65-F5344CB8AC3E}">
+        <p14:creationId xmlns:p14="http://schemas.microsoft.com/office/powerpoint/2010/main" val="3581722761"/>
+      </p:ext>
+    </p:extLst>
+  </p:cSld>
+  <p:clrMapOvr>
+    <a:masterClrMapping/>
+  </p:clrMapOvr>
+  <p:timing>
+    <p:tnLst>
+      <p:par>
+        <p:cTn id="1" dur="indefinite" restart="never" nodeType="tmRoot">
+          <p:childTnLst>
+            <p:seq concurrent="1" nextAc="seek">
+              <p:cTn id="2" dur="indefinite" nodeType="mainSeq">
+                <p:childTnLst>
+                  <p:par>
+                    <p:cTn id="3" fill="hold">
+                      <p:stCondLst>
+                        <p:cond delay="indefinite"/>
+                      </p:stCondLst>
+                      <p:childTnLst>
+                        <p:par>
+                          <p:cTn id="4" fill="hold">
+                            <p:stCondLst>
+                              <p:cond delay="0"/>
+                            </p:stCondLst>
+                            <p:childTnLst>
+                              <p:par>
+                                <p:cTn id="5" presetID="1" presetClass="entr" presetSubtype="0" fill="hold" grpId="0" nodeType="clickEffect">
+                                  <p:stCondLst>
+                                    <p:cond delay="0"/>
+                                  </p:stCondLst>
+                                  <p:childTnLst>
+                                    <p:set>
+                                      <p:cBhvr>
+                                        <p:cTn id="6" dur="1" fill="hold">
+                                          <p:stCondLst>
+                                            <p:cond delay="0"/>
+                                          </p:stCondLst>
+                                        </p:cTn>
+                                        <p:tgtEl>
+                                          <p:spTgt spid="4"/>
+                                        </p:tgtEl>
+                                        <p:attrNameLst>
+                                          <p:attrName>style.visibility</p:attrName>
+                                        </p:attrNameLst>
+                                      </p:cBhvr>
+                                      <p:to>
+                                        <p:strVal val="visible"/>
+                                      </p:to>
+                                    </p:set>
+                                  </p:childTnLst>
+                                </p:cTn>
+                              </p:par>
+                            </p:childTnLst>
+                          </p:cTn>
+                        </p:par>
+                      </p:childTnLst>
+                    </p:cTn>
+                  </p:par>
+                </p:childTnLst>
+              </p:cTn>
+              <p:prevCondLst>
+                <p:cond evt="onPrev" delay="0">
+                  <p:tgtEl>
+                    <p:sldTgt/>
+                  </p:tgtEl>
+                </p:cond>
+              </p:prevCondLst>
+              <p:nextCondLst>
+                <p:cond evt="onNext" delay="0">
+                  <p:tgtEl>
+                    <p:sldTgt/>
+                  </p:tgtEl>
+                </p:cond>
+              </p:nextCondLst>
+            </p:seq>
+          </p:childTnLst>
+        </p:cTn>
+      </p:par>
+    </p:tnLst>
+    <p:bldLst>
+      <p:bldP spid="4" grpId="0"/>
+    </p:bldLst>
+  </p:timing>
+</p:sld>
+</file>
+
+<file path=ppt/slides/slide9.xml><?xml version="1.0" encoding="utf-8"?>
 <p:sld xmlns:a="http://schemas.openxmlformats.org/drawingml/2006/main" xmlns:r="http://schemas.openxmlformats.org/officeDocument/2006/relationships" xmlns:p="http://schemas.openxmlformats.org/presentationml/2006/main">
   <p:cSld>
     <p:spTree>
@@ -16997,7 +18818,7 @@
         <p:spPr>
           <a:xfrm>
             <a:off x="890337" y="1940249"/>
-            <a:ext cx="10016362" cy="2277547"/>
+            <a:ext cx="10016362" cy="1446509"/>
           </a:xfrm>
           <a:prstGeom prst="rect">
             <a:avLst/>
@@ -17115,63 +18936,9 @@
                 <a:cs typeface="Quicksand"/>
                 <a:sym typeface="Quicksand"/>
               </a:rPr>
-              <a:t>When the final model is obtained, the 0’s are removed, and the output values are scaled down uniformly to account for the change in the number of edges. </a:t>
+              <a:t>Note that this ‘zeroing out’ of weights is not retained in the final trained model. </a:t>
             </a:r>
             <a:endParaRPr dirty="0"/>
-          </a:p>
-          <a:p>
-            <a:pPr marL="628650" marR="0" lvl="1" indent="-171450" algn="l" rtl="0">
-              <a:spcBef>
-                <a:spcPts val="0"/>
-              </a:spcBef>
-              <a:spcAft>
-                <a:spcPts val="0"/>
-              </a:spcAft>
-              <a:buClr>
-                <a:schemeClr val="dk1"/>
-              </a:buClr>
-              <a:buSzPts val="1800"/>
-              <a:buFont typeface="Arial"/>
-              <a:buChar char="•"/>
-            </a:pPr>
-            <a:r>
-              <a:rPr lang="en-US" sz="1800" b="0" i="0" u="none" strike="noStrike" cap="none" dirty="0">
-                <a:solidFill>
-                  <a:schemeClr val="dk1"/>
-                </a:solidFill>
-                <a:latin typeface="Quicksand"/>
-                <a:ea typeface="Quicksand"/>
-                <a:cs typeface="Quicksand"/>
-                <a:sym typeface="Quicksand"/>
-              </a:rPr>
-              <a:t>This approach is more commonly used with large / deep networks. </a:t>
-            </a:r>
-            <a:endParaRPr dirty="0"/>
-          </a:p>
-          <a:p>
-            <a:pPr marL="628650" marR="0" lvl="1" indent="-57150" algn="l" rtl="0">
-              <a:spcBef>
-                <a:spcPts val="0"/>
-              </a:spcBef>
-              <a:spcAft>
-                <a:spcPts val="0"/>
-              </a:spcAft>
-              <a:buClr>
-                <a:schemeClr val="dk1"/>
-              </a:buClr>
-              <a:buSzPts val="1800"/>
-              <a:buFont typeface="Arial"/>
-              <a:buNone/>
-            </a:pPr>
-            <a:endParaRPr sz="1800" b="0" i="0" u="none" strike="noStrike" cap="none" dirty="0">
-              <a:solidFill>
-                <a:schemeClr val="dk1"/>
-              </a:solidFill>
-              <a:latin typeface="Quicksand"/>
-              <a:ea typeface="Quicksand"/>
-              <a:cs typeface="Quicksand"/>
-              <a:sym typeface="Quicksand"/>
-            </a:endParaRPr>
           </a:p>
         </p:txBody>
       </p:sp>
@@ -17190,397 +18957,8 @@
         </p:blipFill>
         <p:spPr>
           <a:xfrm>
-            <a:off x="2304911" y="3998991"/>
+            <a:off x="2304911" y="3816739"/>
             <a:ext cx="7582175" cy="2272071"/>
-          </a:xfrm>
-          <a:prstGeom prst="rect">
-            <a:avLst/>
-          </a:prstGeom>
-          <a:noFill/>
-          <a:ln>
-            <a:noFill/>
-          </a:ln>
-        </p:spPr>
-      </p:pic>
-    </p:spTree>
-  </p:cSld>
-  <p:clrMapOvr>
-    <a:masterClrMapping/>
-  </p:clrMapOvr>
-</p:sld>
-</file>
-
-<file path=ppt/slides/slide8.xml><?xml version="1.0" encoding="utf-8"?>
-<p:sld xmlns:a="http://schemas.openxmlformats.org/drawingml/2006/main" xmlns:r="http://schemas.openxmlformats.org/officeDocument/2006/relationships" xmlns:p="http://schemas.openxmlformats.org/presentationml/2006/main">
-  <p:cSld>
-    <p:spTree>
-      <p:nvGrpSpPr>
-        <p:cNvPr id="1" name="Shape 137"/>
-        <p:cNvGrpSpPr/>
-        <p:nvPr/>
-      </p:nvGrpSpPr>
-      <p:grpSpPr>
-        <a:xfrm>
-          <a:off x="0" y="0"/>
-          <a:ext cx="0" cy="0"/>
-          <a:chOff x="0" y="0"/>
-          <a:chExt cx="0" cy="0"/>
-        </a:xfrm>
-      </p:grpSpPr>
-      <p:sp>
-        <p:nvSpPr>
-          <p:cNvPr id="138" name="Google Shape;138;p7"/>
-          <p:cNvSpPr txBox="1"/>
-          <p:nvPr/>
-        </p:nvSpPr>
-        <p:spPr>
-          <a:xfrm>
-            <a:off x="2865521" y="586938"/>
-            <a:ext cx="6460957" cy="923330"/>
-          </a:xfrm>
-          <a:prstGeom prst="rect">
-            <a:avLst/>
-          </a:prstGeom>
-          <a:noFill/>
-          <a:ln>
-            <a:noFill/>
-          </a:ln>
-        </p:spPr>
-        <p:txBody>
-          <a:bodyPr spcFirstLastPara="1" wrap="square" lIns="91425" tIns="45700" rIns="91425" bIns="45700" anchor="t" anchorCtr="0">
-            <a:spAutoFit/>
-          </a:bodyPr>
-          <a:lstStyle/>
-          <a:p>
-            <a:pPr marL="0" marR="0" lvl="0" indent="0" algn="ctr" rtl="0">
-              <a:spcBef>
-                <a:spcPts val="0"/>
-              </a:spcBef>
-              <a:spcAft>
-                <a:spcPts val="0"/>
-              </a:spcAft>
-              <a:buNone/>
-            </a:pPr>
-            <a:r>
-              <a:rPr lang="en-US" sz="5400">
-                <a:solidFill>
-                  <a:schemeClr val="dk1"/>
-                </a:solidFill>
-                <a:latin typeface="Economica"/>
-                <a:ea typeface="Economica"/>
-                <a:cs typeface="Economica"/>
-                <a:sym typeface="Economica"/>
-              </a:rPr>
-              <a:t>Adjust Batch Size</a:t>
-            </a:r>
-            <a:endParaRPr/>
-          </a:p>
-        </p:txBody>
-      </p:sp>
-      <p:pic>
-        <p:nvPicPr>
-          <p:cNvPr id="139" name="Google Shape;139;p7"/>
-          <p:cNvPicPr preferRelativeResize="0"/>
-          <p:nvPr/>
-        </p:nvPicPr>
-        <p:blipFill rotWithShape="1">
-          <a:blip r:embed="rId3">
-            <a:alphaModFix/>
-          </a:blip>
-          <a:srcRect/>
-          <a:stretch/>
-        </p:blipFill>
-        <p:spPr>
-          <a:xfrm>
-            <a:off x="5777948" y="1892150"/>
-            <a:ext cx="5185464" cy="4484425"/>
-          </a:xfrm>
-          <a:prstGeom prst="rect">
-            <a:avLst/>
-          </a:prstGeom>
-          <a:noFill/>
-          <a:ln>
-            <a:noFill/>
-          </a:ln>
-        </p:spPr>
-      </p:pic>
-      <p:pic>
-        <p:nvPicPr>
-          <p:cNvPr id="140" name="Google Shape;140;p7"/>
-          <p:cNvPicPr preferRelativeResize="0"/>
-          <p:nvPr/>
-        </p:nvPicPr>
-        <p:blipFill rotWithShape="1">
-          <a:blip r:embed="rId4">
-            <a:alphaModFix/>
-          </a:blip>
-          <a:srcRect/>
-          <a:stretch/>
-        </p:blipFill>
-        <p:spPr>
-          <a:xfrm>
-            <a:off x="2204831" y="2873513"/>
-            <a:ext cx="2057400" cy="1879600"/>
-          </a:xfrm>
-          <a:prstGeom prst="rect">
-            <a:avLst/>
-          </a:prstGeom>
-          <a:noFill/>
-          <a:ln>
-            <a:noFill/>
-          </a:ln>
-        </p:spPr>
-      </p:pic>
-    </p:spTree>
-  </p:cSld>
-  <p:clrMapOvr>
-    <a:masterClrMapping/>
-  </p:clrMapOvr>
-</p:sld>
-</file>
-
-<file path=ppt/slides/slide9.xml><?xml version="1.0" encoding="utf-8"?>
-<p:sld xmlns:a="http://schemas.openxmlformats.org/drawingml/2006/main" xmlns:r="http://schemas.openxmlformats.org/officeDocument/2006/relationships" xmlns:p="http://schemas.openxmlformats.org/presentationml/2006/main">
-  <p:cSld>
-    <p:spTree>
-      <p:nvGrpSpPr>
-        <p:cNvPr id="1" name="Shape 144"/>
-        <p:cNvGrpSpPr/>
-        <p:nvPr/>
-      </p:nvGrpSpPr>
-      <p:grpSpPr>
-        <a:xfrm>
-          <a:off x="0" y="0"/>
-          <a:ext cx="0" cy="0"/>
-          <a:chOff x="0" y="0"/>
-          <a:chExt cx="0" cy="0"/>
-        </a:xfrm>
-      </p:grpSpPr>
-      <p:sp>
-        <p:nvSpPr>
-          <p:cNvPr id="145" name="Google Shape;145;p8"/>
-          <p:cNvSpPr txBox="1"/>
-          <p:nvPr/>
-        </p:nvSpPr>
-        <p:spPr>
-          <a:xfrm>
-            <a:off x="2865521" y="586938"/>
-            <a:ext cx="6460957" cy="923330"/>
-          </a:xfrm>
-          <a:prstGeom prst="rect">
-            <a:avLst/>
-          </a:prstGeom>
-          <a:noFill/>
-          <a:ln>
-            <a:noFill/>
-          </a:ln>
-        </p:spPr>
-        <p:txBody>
-          <a:bodyPr spcFirstLastPara="1" wrap="square" lIns="91425" tIns="45700" rIns="91425" bIns="45700" anchor="t" anchorCtr="0">
-            <a:spAutoFit/>
-          </a:bodyPr>
-          <a:lstStyle/>
-          <a:p>
-            <a:pPr marL="0" marR="0" lvl="0" indent="0" algn="ctr" rtl="0">
-              <a:spcBef>
-                <a:spcPts val="0"/>
-              </a:spcBef>
-              <a:spcAft>
-                <a:spcPts val="0"/>
-              </a:spcAft>
-              <a:buNone/>
-            </a:pPr>
-            <a:r>
-              <a:rPr lang="en-US" sz="5400">
-                <a:solidFill>
-                  <a:schemeClr val="dk1"/>
-                </a:solidFill>
-                <a:latin typeface="Economica"/>
-                <a:ea typeface="Economica"/>
-                <a:cs typeface="Economica"/>
-                <a:sym typeface="Economica"/>
-              </a:rPr>
-              <a:t>Inject Noise</a:t>
-            </a:r>
-            <a:endParaRPr/>
-          </a:p>
-        </p:txBody>
-      </p:sp>
-      <p:sp>
-        <p:nvSpPr>
-          <p:cNvPr id="146" name="Google Shape;146;p8"/>
-          <p:cNvSpPr txBox="1"/>
-          <p:nvPr/>
-        </p:nvSpPr>
-        <p:spPr>
-          <a:xfrm>
-            <a:off x="890337" y="1940249"/>
-            <a:ext cx="10016362" cy="1446550"/>
-          </a:xfrm>
-          <a:prstGeom prst="rect">
-            <a:avLst/>
-          </a:prstGeom>
-          <a:noFill/>
-          <a:ln>
-            <a:noFill/>
-          </a:ln>
-        </p:spPr>
-        <p:txBody>
-          <a:bodyPr spcFirstLastPara="1" wrap="square" lIns="91425" tIns="45700" rIns="91425" bIns="45700" anchor="t" anchorCtr="0">
-            <a:spAutoFit/>
-          </a:bodyPr>
-          <a:lstStyle/>
-          <a:p>
-            <a:pPr marL="0" marR="0" lvl="0" indent="0" algn="l" rtl="0">
-              <a:spcBef>
-                <a:spcPts val="0"/>
-              </a:spcBef>
-              <a:spcAft>
-                <a:spcPts val="0"/>
-              </a:spcAft>
-              <a:buNone/>
-            </a:pPr>
-            <a:r>
-              <a:rPr lang="en-US" sz="2000" b="1">
-                <a:solidFill>
-                  <a:schemeClr val="dk1"/>
-                </a:solidFill>
-                <a:latin typeface="Quicksand"/>
-                <a:ea typeface="Quicksand"/>
-                <a:cs typeface="Quicksand"/>
-                <a:sym typeface="Quicksand"/>
-              </a:rPr>
-              <a:t>Just Like Smaller Batch Size, but Purposeful</a:t>
-            </a:r>
-            <a:endParaRPr/>
-          </a:p>
-          <a:p>
-            <a:pPr marL="171450" marR="0" lvl="0" indent="-82550" algn="l" rtl="0">
-              <a:spcBef>
-                <a:spcPts val="0"/>
-              </a:spcBef>
-              <a:spcAft>
-                <a:spcPts val="0"/>
-              </a:spcAft>
-              <a:buClr>
-                <a:schemeClr val="dk1"/>
-              </a:buClr>
-              <a:buSzPts val="1400"/>
-              <a:buFont typeface="Arial"/>
-              <a:buNone/>
-            </a:pPr>
-            <a:endParaRPr sz="1400">
-              <a:solidFill>
-                <a:schemeClr val="dk1"/>
-              </a:solidFill>
-              <a:latin typeface="Quicksand"/>
-              <a:ea typeface="Quicksand"/>
-              <a:cs typeface="Quicksand"/>
-              <a:sym typeface="Quicksand"/>
-            </a:endParaRPr>
-          </a:p>
-          <a:p>
-            <a:pPr marL="628650" marR="0" lvl="1" indent="-171450" algn="l" rtl="0">
-              <a:spcBef>
-                <a:spcPts val="0"/>
-              </a:spcBef>
-              <a:spcAft>
-                <a:spcPts val="0"/>
-              </a:spcAft>
-              <a:buClr>
-                <a:schemeClr val="dk1"/>
-              </a:buClr>
-              <a:buSzPts val="1800"/>
-              <a:buFont typeface="Arial"/>
-              <a:buChar char="•"/>
-            </a:pPr>
-            <a:r>
-              <a:rPr lang="en-US" sz="1800" b="0" i="0" u="none" strike="noStrike" cap="none">
-                <a:solidFill>
-                  <a:schemeClr val="dk1"/>
-                </a:solidFill>
-                <a:latin typeface="Quicksand"/>
-                <a:ea typeface="Quicksand"/>
-                <a:cs typeface="Quicksand"/>
-                <a:sym typeface="Quicksand"/>
-              </a:rPr>
-              <a:t>One can manually jitter model weights at each iteration by ‘adding’ random noise.</a:t>
-            </a:r>
-            <a:endParaRPr/>
-          </a:p>
-          <a:p>
-            <a:pPr marL="628650" marR="0" lvl="1" indent="-171450" algn="l" rtl="0">
-              <a:spcBef>
-                <a:spcPts val="0"/>
-              </a:spcBef>
-              <a:spcAft>
-                <a:spcPts val="0"/>
-              </a:spcAft>
-              <a:buClr>
-                <a:schemeClr val="dk1"/>
-              </a:buClr>
-              <a:buSzPts val="1800"/>
-              <a:buFont typeface="Arial"/>
-              <a:buChar char="•"/>
-            </a:pPr>
-            <a:r>
-              <a:rPr lang="en-US" sz="1800" b="0" i="0" u="none" strike="noStrike" cap="none">
-                <a:solidFill>
-                  <a:schemeClr val="dk1"/>
-                </a:solidFill>
-                <a:latin typeface="Quicksand"/>
-                <a:ea typeface="Quicksand"/>
-                <a:cs typeface="Quicksand"/>
-                <a:sym typeface="Quicksand"/>
-              </a:rPr>
-              <a:t>You can add noise to any model component, including the inputs, activations and outcome labels. </a:t>
-            </a:r>
-            <a:endParaRPr/>
-          </a:p>
-          <a:p>
-            <a:pPr marL="628650" marR="0" lvl="1" indent="-57150" algn="l" rtl="0">
-              <a:spcBef>
-                <a:spcPts val="0"/>
-              </a:spcBef>
-              <a:spcAft>
-                <a:spcPts val="0"/>
-              </a:spcAft>
-              <a:buClr>
-                <a:schemeClr val="dk1"/>
-              </a:buClr>
-              <a:buSzPts val="1800"/>
-              <a:buFont typeface="Arial"/>
-              <a:buNone/>
-            </a:pPr>
-            <a:endParaRPr sz="1800" b="0" i="0" u="none" strike="noStrike" cap="none">
-              <a:solidFill>
-                <a:schemeClr val="dk1"/>
-              </a:solidFill>
-              <a:latin typeface="Quicksand"/>
-              <a:ea typeface="Quicksand"/>
-              <a:cs typeface="Quicksand"/>
-              <a:sym typeface="Quicksand"/>
-            </a:endParaRPr>
-          </a:p>
-        </p:txBody>
-      </p:sp>
-      <p:pic>
-        <p:nvPicPr>
-          <p:cNvPr id="147" name="Google Shape;147;p8" descr="Noise Vector Art, Icons, and Graphics for Free Download"/>
-          <p:cNvPicPr preferRelativeResize="0"/>
-          <p:nvPr/>
-        </p:nvPicPr>
-        <p:blipFill rotWithShape="1">
-          <a:blip r:embed="rId3">
-            <a:alphaModFix/>
-          </a:blip>
-          <a:srcRect/>
-          <a:stretch/>
-        </p:blipFill>
-        <p:spPr>
-          <a:xfrm>
-            <a:off x="3886199" y="3603486"/>
-            <a:ext cx="4419600" cy="2540000"/>
           </a:xfrm>
           <a:prstGeom prst="rect">
             <a:avLst/>
